--- a/Data Analytics Group 7 Workflow Procedure.pptx
+++ b/Data Analytics Group 7 Workflow Procedure.pptx
@@ -9,9 +9,10 @@
     <p:sldId id="264" r:id="rId3"/>
     <p:sldId id="258" r:id="rId4"/>
     <p:sldId id="257" r:id="rId5"/>
-    <p:sldId id="261" r:id="rId6"/>
-    <p:sldId id="262" r:id="rId7"/>
-    <p:sldId id="263" r:id="rId8"/>
+    <p:sldId id="265" r:id="rId6"/>
+    <p:sldId id="261" r:id="rId7"/>
+    <p:sldId id="262" r:id="rId8"/>
+    <p:sldId id="263" r:id="rId9"/>
   </p:sldIdLst>
   <p:sldSz cx="12192000" cy="6858000"/>
   <p:notesSz cx="6858000" cy="9144000"/>
@@ -110,6 +111,11 @@
       </a:defRPr>
     </a:lvl9pPr>
   </p:defaultTextStyle>
+  <p:extLst>
+    <p:ext uri="{EFAFB233-063F-42B5-8137-9DF3F51BA10A}">
+      <p15:sldGuideLst xmlns:p15="http://schemas.microsoft.com/office/powerpoint/2012/main"/>
+    </p:ext>
+  </p:extLst>
 </p:presentation>
 </file>
 
@@ -3231,7 +3237,7 @@
         <a:lstStyle/>
         <a:p>
           <a:r>
-            <a:rPr lang="en-CA"/>
+            <a:rPr lang="en-CA" dirty="0"/>
             <a:t>provide source data topics</a:t>
           </a:r>
         </a:p>
@@ -3516,7 +3522,7 @@
         <a:lstStyle/>
         <a:p>
           <a:r>
-            <a:rPr lang="en-CA"/>
+            <a:rPr lang="en-CA" dirty="0"/>
             <a:t>confirm dataset selection</a:t>
           </a:r>
         </a:p>
@@ -3999,7 +4005,7 @@
         <a:lstStyle/>
         <a:p>
           <a:r>
-            <a:rPr lang="en-CA"/>
+            <a:rPr lang="en-CA" dirty="0"/>
             <a:t>vote/confirm dataset selection</a:t>
           </a:r>
         </a:p>
@@ -4287,7 +4293,7 @@
       <dgm:spPr/>
     </dgm:pt>
     <dgm:pt modelId="{BE524F8F-40E5-4BA6-A8BF-D822AE2E39EF}" type="pres">
-      <dgm:prSet presAssocID="{98FC6D78-19D3-4F57-83A1-7E567A02B02A}" presName="childNode" presStyleLbl="node1" presStyleIdx="0" presStyleCnt="4">
+      <dgm:prSet presAssocID="{98FC6D78-19D3-4F57-83A1-7E567A02B02A}" presName="childNode" presStyleLbl="node1" presStyleIdx="0" presStyleCnt="4" custLinFactNeighborX="443">
         <dgm:presLayoutVars>
           <dgm:bulletEnabled val="1"/>
         </dgm:presLayoutVars>
@@ -6052,8 +6058,8 @@
       </dsp:nvSpPr>
       <dsp:spPr>
         <a:xfrm rot="16200000">
-          <a:off x="-1726921" y="2585976"/>
-          <a:ext cx="3943331" cy="363747"/>
+          <a:off x="-1840754" y="2731620"/>
+          <a:ext cx="4170465" cy="364032"/>
         </a:xfrm>
         <a:prstGeom prst="rect">
           <a:avLst/>
@@ -6077,7 +6083,7 @@
         <a:fontRef idx="minor"/>
       </dsp:style>
       <dsp:txBody>
-        <a:bodyPr spcFirstLastPara="0" vert="horz" wrap="square" lIns="0" tIns="0" rIns="320805" bIns="0" numCol="1" spcCol="1270" anchor="t" anchorCtr="0">
+        <a:bodyPr spcFirstLastPara="0" vert="horz" wrap="square" lIns="0" tIns="0" rIns="321056" bIns="0" numCol="1" spcCol="1270" anchor="t" anchorCtr="0">
           <a:noAutofit/>
         </a:bodyPr>
         <a:lstStyle/>
@@ -6101,8 +6107,8 @@
         </a:p>
       </dsp:txBody>
       <dsp:txXfrm>
-        <a:off x="-1726921" y="2585976"/>
-        <a:ext cx="3943331" cy="363747"/>
+        <a:off x="-1840754" y="2731620"/>
+        <a:ext cx="4170465" cy="364032"/>
       </dsp:txXfrm>
     </dsp:sp>
     <dsp:sp modelId="{BE524F8F-40E5-4BA6-A8BF-D822AE2E39EF}">
@@ -6112,8 +6118,8 @@
       </dsp:nvSpPr>
       <dsp:spPr>
         <a:xfrm>
-          <a:off x="426617" y="796184"/>
-          <a:ext cx="1811847" cy="3943331"/>
+          <a:off x="434526" y="828403"/>
+          <a:ext cx="1813267" cy="4170465"/>
         </a:xfrm>
         <a:prstGeom prst="rect">
           <a:avLst/>
@@ -6155,7 +6161,7 @@
         </a:fontRef>
       </dsp:style>
       <dsp:txBody>
-        <a:bodyPr spcFirstLastPara="0" vert="horz" wrap="square" lIns="106680" tIns="320805" rIns="106680" bIns="106680" numCol="1" spcCol="1270" anchor="t" anchorCtr="0">
+        <a:bodyPr spcFirstLastPara="0" vert="horz" wrap="square" lIns="113792" tIns="321056" rIns="113792" bIns="113792" numCol="1" spcCol="1270" anchor="t" anchorCtr="0">
           <a:noAutofit/>
         </a:bodyPr>
         <a:lstStyle/>
@@ -6278,8 +6284,8 @@
         </a:p>
       </dsp:txBody>
       <dsp:txXfrm>
-        <a:off x="426617" y="796184"/>
-        <a:ext cx="1811847" cy="3943331"/>
+        <a:off x="434526" y="828403"/>
+        <a:ext cx="1813267" cy="4170465"/>
       </dsp:txXfrm>
     </dsp:sp>
     <dsp:sp modelId="{6244AC98-A5D1-403D-8C90-BF311B5850A7}">
@@ -6289,8 +6295,8 @@
       </dsp:nvSpPr>
       <dsp:spPr>
         <a:xfrm>
-          <a:off x="62870" y="316037"/>
-          <a:ext cx="727494" cy="727494"/>
+          <a:off x="62461" y="347881"/>
+          <a:ext cx="728065" cy="728065"/>
         </a:xfrm>
         <a:prstGeom prst="rect">
           <a:avLst/>
@@ -6338,8 +6344,8 @@
       </dsp:nvSpPr>
       <dsp:spPr>
         <a:xfrm rot="16200000">
-          <a:off x="922054" y="2585976"/>
-          <a:ext cx="3943331" cy="363747"/>
+          <a:off x="807925" y="2731620"/>
+          <a:ext cx="4170465" cy="364032"/>
         </a:xfrm>
         <a:prstGeom prst="rect">
           <a:avLst/>
@@ -6363,7 +6369,7 @@
         <a:fontRef idx="minor"/>
       </dsp:style>
       <dsp:txBody>
-        <a:bodyPr spcFirstLastPara="0" vert="horz" wrap="square" lIns="0" tIns="0" rIns="320805" bIns="0" numCol="1" spcCol="1270" anchor="t" anchorCtr="0">
+        <a:bodyPr spcFirstLastPara="0" vert="horz" wrap="square" lIns="0" tIns="0" rIns="321056" bIns="0" numCol="1" spcCol="1270" anchor="t" anchorCtr="0">
           <a:noAutofit/>
         </a:bodyPr>
         <a:lstStyle/>
@@ -6387,8 +6393,8 @@
         </a:p>
       </dsp:txBody>
       <dsp:txXfrm>
-        <a:off x="922054" y="2585976"/>
-        <a:ext cx="3943331" cy="363747"/>
+        <a:off x="807925" y="2731620"/>
+        <a:ext cx="4170465" cy="364032"/>
       </dsp:txXfrm>
     </dsp:sp>
     <dsp:sp modelId="{1E11956E-F39A-4E5C-B96E-D039F943D60B}">
@@ -6398,8 +6404,8 @@
       </dsp:nvSpPr>
       <dsp:spPr>
         <a:xfrm>
-          <a:off x="3075594" y="796184"/>
-          <a:ext cx="1811847" cy="3943331"/>
+          <a:off x="3075174" y="828403"/>
+          <a:ext cx="1813267" cy="4170465"/>
         </a:xfrm>
         <a:prstGeom prst="rect">
           <a:avLst/>
@@ -6441,7 +6447,7 @@
         </a:fontRef>
       </dsp:style>
       <dsp:txBody>
-        <a:bodyPr spcFirstLastPara="0" vert="horz" wrap="square" lIns="106680" tIns="320805" rIns="106680" bIns="106680" numCol="1" spcCol="1270" anchor="t" anchorCtr="0">
+        <a:bodyPr spcFirstLastPara="0" vert="horz" wrap="square" lIns="113792" tIns="321056" rIns="113792" bIns="113792" numCol="1" spcCol="1270" anchor="t" anchorCtr="0">
           <a:noAutofit/>
         </a:bodyPr>
         <a:lstStyle/>
@@ -6459,7 +6465,7 @@
             <a:buChar char="•"/>
           </a:pPr>
           <a:r>
-            <a:rPr lang="en-CA" sz="1200" kern="1200"/>
+            <a:rPr lang="en-CA" sz="1200" kern="1200" dirty="0"/>
             <a:t>provide source data topics</a:t>
           </a:r>
         </a:p>
@@ -6525,7 +6531,7 @@
             <a:buChar char="•"/>
           </a:pPr>
           <a:r>
-            <a:rPr lang="en-CA" sz="1200" kern="1200"/>
+            <a:rPr lang="en-CA" sz="1200" kern="1200" dirty="0"/>
             <a:t>confirm dataset selection</a:t>
           </a:r>
         </a:p>
@@ -6630,8 +6636,8 @@
         </a:p>
       </dsp:txBody>
       <dsp:txXfrm>
-        <a:off x="3075594" y="796184"/>
-        <a:ext cx="1811847" cy="3943331"/>
+        <a:off x="3075174" y="828403"/>
+        <a:ext cx="1813267" cy="4170465"/>
       </dsp:txXfrm>
     </dsp:sp>
     <dsp:sp modelId="{F523BEA2-1DB3-4876-AD37-C05BFE87BCD0}">
@@ -6641,8 +6647,8 @@
       </dsp:nvSpPr>
       <dsp:spPr>
         <a:xfrm>
-          <a:off x="2711846" y="316037"/>
-          <a:ext cx="727494" cy="727494"/>
+          <a:off x="2711141" y="347881"/>
+          <a:ext cx="728065" cy="728065"/>
         </a:xfrm>
         <a:prstGeom prst="rect">
           <a:avLst/>
@@ -6690,8 +6696,8 @@
       </dsp:nvSpPr>
       <dsp:spPr>
         <a:xfrm rot="16200000">
-          <a:off x="3571031" y="2585976"/>
-          <a:ext cx="3943331" cy="363747"/>
+          <a:off x="3456606" y="2731620"/>
+          <a:ext cx="4170465" cy="364032"/>
         </a:xfrm>
         <a:prstGeom prst="rect">
           <a:avLst/>
@@ -6715,7 +6721,7 @@
         <a:fontRef idx="minor"/>
       </dsp:style>
       <dsp:txBody>
-        <a:bodyPr spcFirstLastPara="0" vert="horz" wrap="square" lIns="0" tIns="0" rIns="320805" bIns="0" numCol="1" spcCol="1270" anchor="t" anchorCtr="0">
+        <a:bodyPr spcFirstLastPara="0" vert="horz" wrap="square" lIns="0" tIns="0" rIns="321056" bIns="0" numCol="1" spcCol="1270" anchor="t" anchorCtr="0">
           <a:noAutofit/>
         </a:bodyPr>
         <a:lstStyle/>
@@ -6739,8 +6745,8 @@
         </a:p>
       </dsp:txBody>
       <dsp:txXfrm>
-        <a:off x="3571031" y="2585976"/>
-        <a:ext cx="3943331" cy="363747"/>
+        <a:off x="3456606" y="2731620"/>
+        <a:ext cx="4170465" cy="364032"/>
       </dsp:txXfrm>
     </dsp:sp>
     <dsp:sp modelId="{1AFDE1CC-A79E-4691-B149-942072C56BBD}">
@@ -6750,8 +6756,8 @@
       </dsp:nvSpPr>
       <dsp:spPr>
         <a:xfrm>
-          <a:off x="5724570" y="796184"/>
-          <a:ext cx="1811847" cy="3943331"/>
+          <a:off x="5723855" y="828403"/>
+          <a:ext cx="1813267" cy="4170465"/>
         </a:xfrm>
         <a:prstGeom prst="rect">
           <a:avLst/>
@@ -6793,7 +6799,7 @@
         </a:fontRef>
       </dsp:style>
       <dsp:txBody>
-        <a:bodyPr spcFirstLastPara="0" vert="horz" wrap="square" lIns="106680" tIns="320805" rIns="106680" bIns="106680" numCol="1" spcCol="1270" anchor="t" anchorCtr="0">
+        <a:bodyPr spcFirstLastPara="0" vert="horz" wrap="square" lIns="113792" tIns="321056" rIns="113792" bIns="113792" numCol="1" spcCol="1270" anchor="t" anchorCtr="0">
           <a:noAutofit/>
         </a:bodyPr>
         <a:lstStyle/>
@@ -6811,7 +6817,7 @@
             <a:buChar char="•"/>
           </a:pPr>
           <a:r>
-            <a:rPr lang="en-CA" sz="1200" kern="1200"/>
+            <a:rPr lang="en-CA" sz="1200" kern="1200" dirty="0"/>
             <a:t>vote/confirm dataset selection</a:t>
           </a:r>
         </a:p>
@@ -6883,8 +6889,8 @@
         </a:p>
       </dsp:txBody>
       <dsp:txXfrm>
-        <a:off x="5724570" y="796184"/>
-        <a:ext cx="1811847" cy="3943331"/>
+        <a:off x="5723855" y="828403"/>
+        <a:ext cx="1813267" cy="4170465"/>
       </dsp:txXfrm>
     </dsp:sp>
     <dsp:sp modelId="{A02C75D3-09AA-4D32-9F9E-1AAAE7316BC9}">
@@ -6894,8 +6900,8 @@
       </dsp:nvSpPr>
       <dsp:spPr>
         <a:xfrm>
-          <a:off x="5360823" y="316037"/>
-          <a:ext cx="727494" cy="727494"/>
+          <a:off x="5359822" y="347881"/>
+          <a:ext cx="728065" cy="728065"/>
         </a:xfrm>
         <a:prstGeom prst="rect">
           <a:avLst/>
@@ -6943,8 +6949,8 @@
       </dsp:nvSpPr>
       <dsp:spPr>
         <a:xfrm rot="16200000">
-          <a:off x="6220007" y="2585976"/>
-          <a:ext cx="3943331" cy="363747"/>
+          <a:off x="6105286" y="2731620"/>
+          <a:ext cx="4170465" cy="364032"/>
         </a:xfrm>
         <a:prstGeom prst="rect">
           <a:avLst/>
@@ -6968,7 +6974,7 @@
         <a:fontRef idx="minor"/>
       </dsp:style>
       <dsp:txBody>
-        <a:bodyPr spcFirstLastPara="0" vert="horz" wrap="square" lIns="0" tIns="0" rIns="320805" bIns="0" numCol="1" spcCol="1270" anchor="t" anchorCtr="0">
+        <a:bodyPr spcFirstLastPara="0" vert="horz" wrap="square" lIns="0" tIns="0" rIns="321056" bIns="0" numCol="1" spcCol="1270" anchor="t" anchorCtr="0">
           <a:noAutofit/>
         </a:bodyPr>
         <a:lstStyle/>
@@ -6992,8 +6998,8 @@
         </a:p>
       </dsp:txBody>
       <dsp:txXfrm>
-        <a:off x="6220007" y="2585976"/>
-        <a:ext cx="3943331" cy="363747"/>
+        <a:off x="6105286" y="2731620"/>
+        <a:ext cx="4170465" cy="364032"/>
       </dsp:txXfrm>
     </dsp:sp>
     <dsp:sp modelId="{73085D42-9FC8-43EB-A671-A753243D279C}">
@@ -7003,8 +7009,8 @@
       </dsp:nvSpPr>
       <dsp:spPr>
         <a:xfrm>
-          <a:off x="8373547" y="796184"/>
-          <a:ext cx="1811847" cy="3943331"/>
+          <a:off x="8372535" y="828403"/>
+          <a:ext cx="1813267" cy="4170465"/>
         </a:xfrm>
         <a:prstGeom prst="rect">
           <a:avLst/>
@@ -7046,7 +7052,7 @@
         </a:fontRef>
       </dsp:style>
       <dsp:txBody>
-        <a:bodyPr spcFirstLastPara="0" vert="horz" wrap="square" lIns="106680" tIns="320805" rIns="106680" bIns="106680" numCol="1" spcCol="1270" anchor="t" anchorCtr="0">
+        <a:bodyPr spcFirstLastPara="0" vert="horz" wrap="square" lIns="113792" tIns="321056" rIns="113792" bIns="113792" numCol="1" spcCol="1270" anchor="t" anchorCtr="0">
           <a:noAutofit/>
         </a:bodyPr>
         <a:lstStyle/>
@@ -7151,8 +7157,8 @@
         </a:p>
       </dsp:txBody>
       <dsp:txXfrm>
-        <a:off x="8373547" y="796184"/>
-        <a:ext cx="1811847" cy="3943331"/>
+        <a:off x="8372535" y="828403"/>
+        <a:ext cx="1813267" cy="4170465"/>
       </dsp:txXfrm>
     </dsp:sp>
     <dsp:sp modelId="{98F0F7D7-3C19-47FB-8B4C-8C2D974985CC}">
@@ -7162,8 +7168,8 @@
       </dsp:nvSpPr>
       <dsp:spPr>
         <a:xfrm>
-          <a:off x="8009799" y="316037"/>
-          <a:ext cx="727494" cy="727494"/>
+          <a:off x="8008503" y="347881"/>
+          <a:ext cx="728065" cy="728065"/>
         </a:xfrm>
         <a:prstGeom prst="rect">
           <a:avLst/>
@@ -20589,14 +20595,14 @@
           <p:nvPr>
             <p:extLst>
               <p:ext uri="{D42A27DB-BD31-4B8C-83A1-F6EECF244321}">
-                <p14:modId xmlns:p14="http://schemas.microsoft.com/office/powerpoint/2010/main" val="1065640609"/>
+                <p14:modId xmlns:p14="http://schemas.microsoft.com/office/powerpoint/2010/main" val="4217439816"/>
               </p:ext>
             </p:extLst>
           </p:nvPr>
         </p:nvGraphicFramePr>
         <p:xfrm>
           <a:off x="1505584" y="1437322"/>
-          <a:ext cx="10248265" cy="5055553"/>
+          <a:ext cx="10248265" cy="5346750"/>
         </p:xfrm>
         <a:graphic>
           <a:graphicData uri="http://schemas.openxmlformats.org/drawingml/2006/diagram">
@@ -20604,6 +20610,89 @@
           </a:graphicData>
         </a:graphic>
       </p:graphicFrame>
+      <p:sp>
+        <p:nvSpPr>
+          <p:cNvPr id="4" name="TextBox 3">
+            <a:extLst>
+              <a:ext uri="{FF2B5EF4-FFF2-40B4-BE49-F238E27FC236}">
+                <a16:creationId xmlns:a16="http://schemas.microsoft.com/office/drawing/2014/main" id="{45855926-7D73-4B70-B4AA-77B04DA8C58E}"/>
+              </a:ext>
+            </a:extLst>
+          </p:cNvPr>
+          <p:cNvSpPr txBox="1"/>
+          <p:nvPr/>
+        </p:nvSpPr>
+        <p:spPr>
+          <a:xfrm>
+            <a:off x="8670759" y="4475748"/>
+            <a:ext cx="3424989" cy="2308324"/>
+          </a:xfrm>
+          <a:prstGeom prst="rect">
+            <a:avLst/>
+          </a:prstGeom>
+          <a:noFill/>
+        </p:spPr>
+        <p:txBody>
+          <a:bodyPr wrap="square" rtlCol="0">
+            <a:spAutoFit/>
+          </a:bodyPr>
+          <a:lstStyle/>
+          <a:p>
+            <a:r>
+              <a:rPr lang="en-CA" dirty="0"/>
+              <a:t>Priority of Work:</a:t>
+            </a:r>
+          </a:p>
+          <a:p>
+            <a:endParaRPr lang="en-CA" dirty="0"/>
+          </a:p>
+          <a:p>
+            <a:pPr marL="342900" indent="-342900">
+              <a:buAutoNum type="arabicPeriod"/>
+            </a:pPr>
+            <a:r>
+              <a:rPr lang="en-CA" dirty="0"/>
+              <a:t>Create GitHub Page</a:t>
+            </a:r>
+          </a:p>
+          <a:p>
+            <a:pPr marL="342900" indent="-342900">
+              <a:buAutoNum type="arabicPeriod"/>
+            </a:pPr>
+            <a:r>
+              <a:rPr lang="en-CA" dirty="0"/>
+              <a:t>Select data set to analyse</a:t>
+            </a:r>
+          </a:p>
+          <a:p>
+            <a:pPr marL="342900" indent="-342900">
+              <a:buAutoNum type="arabicPeriod"/>
+            </a:pPr>
+            <a:r>
+              <a:rPr lang="en-CA" dirty="0"/>
+              <a:t>Create branches</a:t>
+            </a:r>
+          </a:p>
+          <a:p>
+            <a:pPr marL="342900" indent="-342900">
+              <a:buAutoNum type="arabicPeriod"/>
+            </a:pPr>
+            <a:r>
+              <a:rPr lang="en-CA" dirty="0"/>
+              <a:t>Generate machine learning module</a:t>
+            </a:r>
+          </a:p>
+          <a:p>
+            <a:pPr marL="342900" indent="-342900">
+              <a:buAutoNum type="arabicPeriod"/>
+            </a:pPr>
+            <a:r>
+              <a:rPr lang="en-CA" dirty="0"/>
+              <a:t>Generate database</a:t>
+            </a:r>
+          </a:p>
+        </p:txBody>
+      </p:sp>
     </p:spTree>
     <p:extLst>
       <p:ext uri="{BB962C8B-B14F-4D97-AF65-F5344CB8AC3E}">
@@ -20618,6 +20707,148 @@
 </file>
 
 <file path=ppt/slides/slide5.xml><?xml version="1.0" encoding="utf-8"?>
+<p:sld xmlns:a="http://schemas.openxmlformats.org/drawingml/2006/main" xmlns:r="http://schemas.openxmlformats.org/officeDocument/2006/relationships" xmlns:p="http://schemas.openxmlformats.org/presentationml/2006/main">
+  <p:cSld>
+    <p:spTree>
+      <p:nvGrpSpPr>
+        <p:cNvPr id="1" name=""/>
+        <p:cNvGrpSpPr/>
+        <p:nvPr/>
+      </p:nvGrpSpPr>
+      <p:grpSpPr>
+        <a:xfrm>
+          <a:off x="0" y="0"/>
+          <a:ext cx="0" cy="0"/>
+          <a:chOff x="0" y="0"/>
+          <a:chExt cx="0" cy="0"/>
+        </a:xfrm>
+      </p:grpSpPr>
+      <p:sp>
+        <p:nvSpPr>
+          <p:cNvPr id="2" name="Title 1">
+            <a:extLst>
+              <a:ext uri="{FF2B5EF4-FFF2-40B4-BE49-F238E27FC236}">
+                <a16:creationId xmlns:a16="http://schemas.microsoft.com/office/drawing/2014/main" id="{94AEF6A7-9A4F-45AF-8C6F-9D9B9C51B3E7}"/>
+              </a:ext>
+            </a:extLst>
+          </p:cNvPr>
+          <p:cNvSpPr>
+            <a:spLocks noGrp="1"/>
+          </p:cNvSpPr>
+          <p:nvPr>
+            <p:ph type="title"/>
+          </p:nvPr>
+        </p:nvSpPr>
+        <p:spPr/>
+        <p:txBody>
+          <a:bodyPr/>
+          <a:lstStyle/>
+          <a:p>
+            <a:pPr algn="ctr"/>
+            <a:r>
+              <a:rPr lang="en-CA" dirty="0"/>
+              <a:t>Week 1 – Priority of Work</a:t>
+            </a:r>
+          </a:p>
+        </p:txBody>
+      </p:sp>
+      <p:sp>
+        <p:nvSpPr>
+          <p:cNvPr id="4" name="TextBox 3">
+            <a:extLst>
+              <a:ext uri="{FF2B5EF4-FFF2-40B4-BE49-F238E27FC236}">
+                <a16:creationId xmlns:a16="http://schemas.microsoft.com/office/drawing/2014/main" id="{D655FAF0-991E-4922-A68A-8890F4069CEF}"/>
+              </a:ext>
+            </a:extLst>
+          </p:cNvPr>
+          <p:cNvSpPr txBox="1"/>
+          <p:nvPr/>
+        </p:nvSpPr>
+        <p:spPr>
+          <a:xfrm>
+            <a:off x="838199" y="1612233"/>
+            <a:ext cx="8771021" cy="3539430"/>
+          </a:xfrm>
+          <a:prstGeom prst="rect">
+            <a:avLst/>
+          </a:prstGeom>
+          <a:noFill/>
+        </p:spPr>
+        <p:txBody>
+          <a:bodyPr wrap="square">
+            <a:spAutoFit/>
+          </a:bodyPr>
+          <a:lstStyle/>
+          <a:p>
+            <a:r>
+              <a:rPr lang="en-CA" sz="3200" dirty="0"/>
+              <a:t>Priority of Work:</a:t>
+            </a:r>
+          </a:p>
+          <a:p>
+            <a:endParaRPr lang="en-CA" sz="3200" dirty="0"/>
+          </a:p>
+          <a:p>
+            <a:pPr marL="342900" indent="-342900">
+              <a:buAutoNum type="arabicPeriod"/>
+            </a:pPr>
+            <a:r>
+              <a:rPr lang="en-CA" sz="3200" dirty="0"/>
+              <a:t>Create GitHub Page</a:t>
+            </a:r>
+          </a:p>
+          <a:p>
+            <a:pPr marL="342900" indent="-342900">
+              <a:buAutoNum type="arabicPeriod"/>
+            </a:pPr>
+            <a:r>
+              <a:rPr lang="en-CA" sz="3200" dirty="0"/>
+              <a:t>Select data set to analyse</a:t>
+            </a:r>
+          </a:p>
+          <a:p>
+            <a:pPr marL="342900" indent="-342900">
+              <a:buAutoNum type="arabicPeriod"/>
+            </a:pPr>
+            <a:r>
+              <a:rPr lang="en-CA" sz="3200" dirty="0"/>
+              <a:t>Create branches</a:t>
+            </a:r>
+          </a:p>
+          <a:p>
+            <a:pPr marL="342900" indent="-342900">
+              <a:buAutoNum type="arabicPeriod"/>
+            </a:pPr>
+            <a:r>
+              <a:rPr lang="en-CA" sz="3200" dirty="0"/>
+              <a:t>Generate machine learning module</a:t>
+            </a:r>
+          </a:p>
+          <a:p>
+            <a:pPr marL="342900" indent="-342900">
+              <a:buAutoNum type="arabicPeriod"/>
+            </a:pPr>
+            <a:r>
+              <a:rPr lang="en-CA" sz="3200" dirty="0"/>
+              <a:t>Generate database</a:t>
+            </a:r>
+          </a:p>
+        </p:txBody>
+      </p:sp>
+    </p:spTree>
+    <p:extLst>
+      <p:ext uri="{BB962C8B-B14F-4D97-AF65-F5344CB8AC3E}">
+        <p14:creationId xmlns:p14="http://schemas.microsoft.com/office/powerpoint/2010/main" val="3145790608"/>
+      </p:ext>
+    </p:extLst>
+  </p:cSld>
+  <p:clrMapOvr>
+    <a:masterClrMapping/>
+  </p:clrMapOvr>
+</p:sld>
+</file>
+
+<file path=ppt/slides/slide6.xml><?xml version="1.0" encoding="utf-8"?>
 <p:sld xmlns:a="http://schemas.openxmlformats.org/drawingml/2006/main" xmlns:r="http://schemas.openxmlformats.org/officeDocument/2006/relationships" xmlns:p="http://schemas.openxmlformats.org/presentationml/2006/main">
   <p:cSld>
     <p:spTree>
@@ -20704,7 +20935,7 @@
 </p:sld>
 </file>
 
-<file path=ppt/slides/slide6.xml><?xml version="1.0" encoding="utf-8"?>
+<file path=ppt/slides/slide7.xml><?xml version="1.0" encoding="utf-8"?>
 <p:sld xmlns:a="http://schemas.openxmlformats.org/drawingml/2006/main" xmlns:r="http://schemas.openxmlformats.org/officeDocument/2006/relationships" xmlns:p="http://schemas.openxmlformats.org/presentationml/2006/main">
   <p:cSld>
     <p:spTree>
@@ -20785,7 +21016,7 @@
 </p:sld>
 </file>
 
-<file path=ppt/slides/slide7.xml><?xml version="1.0" encoding="utf-8"?>
+<file path=ppt/slides/slide8.xml><?xml version="1.0" encoding="utf-8"?>
 <p:sld xmlns:a="http://schemas.openxmlformats.org/drawingml/2006/main" xmlns:r="http://schemas.openxmlformats.org/officeDocument/2006/relationships" xmlns:p="http://schemas.openxmlformats.org/presentationml/2006/main">
   <p:cSld>
     <p:spTree>

--- a/Data Analytics Group 7 Workflow Procedure.pptx
+++ b/Data Analytics Group 7 Workflow Procedure.pptx
@@ -14926,7 +14926,7 @@
           <a:p>
             <a:fld id="{6A4B53A7-3209-46A6-9454-F38EAC8F11E7}" type="datetimeFigureOut">
               <a:rPr lang="en-US" smtClean="0"/>
-              <a:t>3/17/2022</a:t>
+              <a:t>3/18/2022</a:t>
             </a:fld>
             <a:endParaRPr lang="en-US"/>
           </a:p>
@@ -15177,7 +15177,7 @@
           <a:p>
             <a:fld id="{6A4B53A7-3209-46A6-9454-F38EAC8F11E7}" type="datetimeFigureOut">
               <a:rPr lang="en-US" smtClean="0"/>
-              <a:t>3/17/2022</a:t>
+              <a:t>3/18/2022</a:t>
             </a:fld>
             <a:endParaRPr lang="en-US"/>
           </a:p>
@@ -15438,7 +15438,7 @@
           <a:p>
             <a:fld id="{6A4B53A7-3209-46A6-9454-F38EAC8F11E7}" type="datetimeFigureOut">
               <a:rPr lang="en-US" smtClean="0"/>
-              <a:t>3/17/2022</a:t>
+              <a:t>3/18/2022</a:t>
             </a:fld>
             <a:endParaRPr lang="en-US"/>
           </a:p>
@@ -15689,7 +15689,7 @@
           <a:p>
             <a:fld id="{6A4B53A7-3209-46A6-9454-F38EAC8F11E7}" type="datetimeFigureOut">
               <a:rPr lang="en-US" smtClean="0"/>
-              <a:t>3/17/2022</a:t>
+              <a:t>3/18/2022</a:t>
             </a:fld>
             <a:endParaRPr lang="en-US"/>
           </a:p>
@@ -16017,7 +16017,7 @@
           <a:p>
             <a:fld id="{6A4B53A7-3209-46A6-9454-F38EAC8F11E7}" type="datetimeFigureOut">
               <a:rPr lang="en-US" smtClean="0"/>
-              <a:t>3/17/2022</a:t>
+              <a:t>3/18/2022</a:t>
             </a:fld>
             <a:endParaRPr lang="en-US"/>
           </a:p>
@@ -16335,7 +16335,7 @@
           <a:p>
             <a:fld id="{6A4B53A7-3209-46A6-9454-F38EAC8F11E7}" type="datetimeFigureOut">
               <a:rPr lang="en-US" smtClean="0"/>
-              <a:t>3/17/2022</a:t>
+              <a:t>3/18/2022</a:t>
             </a:fld>
             <a:endParaRPr lang="en-US"/>
           </a:p>
@@ -16800,7 +16800,7 @@
           <a:p>
             <a:fld id="{6A4B53A7-3209-46A6-9454-F38EAC8F11E7}" type="datetimeFigureOut">
               <a:rPr lang="en-US" smtClean="0"/>
-              <a:t>3/17/2022</a:t>
+              <a:t>3/18/2022</a:t>
             </a:fld>
             <a:endParaRPr lang="en-US"/>
           </a:p>
@@ -16994,7 +16994,7 @@
           <a:p>
             <a:fld id="{6A4B53A7-3209-46A6-9454-F38EAC8F11E7}" type="datetimeFigureOut">
               <a:rPr lang="en-US" smtClean="0"/>
-              <a:t>3/17/2022</a:t>
+              <a:t>3/18/2022</a:t>
             </a:fld>
             <a:endParaRPr lang="en-US"/>
           </a:p>
@@ -17160,7 +17160,7 @@
           <a:p>
             <a:fld id="{6A4B53A7-3209-46A6-9454-F38EAC8F11E7}" type="datetimeFigureOut">
               <a:rPr lang="en-US" smtClean="0"/>
-              <a:t>3/17/2022</a:t>
+              <a:t>3/18/2022</a:t>
             </a:fld>
             <a:endParaRPr lang="en-US"/>
           </a:p>
@@ -17524,7 +17524,7 @@
           <a:p>
             <a:fld id="{6A4B53A7-3209-46A6-9454-F38EAC8F11E7}" type="datetimeFigureOut">
               <a:rPr lang="en-US" smtClean="0"/>
-              <a:t>3/17/2022</a:t>
+              <a:t>3/18/2022</a:t>
             </a:fld>
             <a:endParaRPr lang="en-US"/>
           </a:p>
@@ -17868,7 +17868,7 @@
           <a:p>
             <a:fld id="{6A4B53A7-3209-46A6-9454-F38EAC8F11E7}" type="datetimeFigureOut">
               <a:rPr lang="en-US" smtClean="0"/>
-              <a:t>3/17/2022</a:t>
+              <a:t>3/18/2022</a:t>
             </a:fld>
             <a:endParaRPr lang="en-US"/>
           </a:p>
@@ -18163,7 +18163,7 @@
             <a:fld id="{6A4B53A7-3209-46A6-9454-F38EAC8F11E7}" type="datetimeFigureOut">
               <a:rPr lang="en-US" smtClean="0"/>
               <a:pPr/>
-              <a:t>3/17/2022</a:t>
+              <a:t>3/18/2022</a:t>
             </a:fld>
             <a:endParaRPr lang="en-US" dirty="0"/>
           </a:p>
@@ -20610,89 +20610,6 @@
           </a:graphicData>
         </a:graphic>
       </p:graphicFrame>
-      <p:sp>
-        <p:nvSpPr>
-          <p:cNvPr id="4" name="TextBox 3">
-            <a:extLst>
-              <a:ext uri="{FF2B5EF4-FFF2-40B4-BE49-F238E27FC236}">
-                <a16:creationId xmlns:a16="http://schemas.microsoft.com/office/drawing/2014/main" id="{45855926-7D73-4B70-B4AA-77B04DA8C58E}"/>
-              </a:ext>
-            </a:extLst>
-          </p:cNvPr>
-          <p:cNvSpPr txBox="1"/>
-          <p:nvPr/>
-        </p:nvSpPr>
-        <p:spPr>
-          <a:xfrm>
-            <a:off x="8670759" y="4475748"/>
-            <a:ext cx="3424989" cy="2308324"/>
-          </a:xfrm>
-          <a:prstGeom prst="rect">
-            <a:avLst/>
-          </a:prstGeom>
-          <a:noFill/>
-        </p:spPr>
-        <p:txBody>
-          <a:bodyPr wrap="square" rtlCol="0">
-            <a:spAutoFit/>
-          </a:bodyPr>
-          <a:lstStyle/>
-          <a:p>
-            <a:r>
-              <a:rPr lang="en-CA" dirty="0"/>
-              <a:t>Priority of Work:</a:t>
-            </a:r>
-          </a:p>
-          <a:p>
-            <a:endParaRPr lang="en-CA" dirty="0"/>
-          </a:p>
-          <a:p>
-            <a:pPr marL="342900" indent="-342900">
-              <a:buAutoNum type="arabicPeriod"/>
-            </a:pPr>
-            <a:r>
-              <a:rPr lang="en-CA" dirty="0"/>
-              <a:t>Create GitHub Page</a:t>
-            </a:r>
-          </a:p>
-          <a:p>
-            <a:pPr marL="342900" indent="-342900">
-              <a:buAutoNum type="arabicPeriod"/>
-            </a:pPr>
-            <a:r>
-              <a:rPr lang="en-CA" dirty="0"/>
-              <a:t>Select data set to analyse</a:t>
-            </a:r>
-          </a:p>
-          <a:p>
-            <a:pPr marL="342900" indent="-342900">
-              <a:buAutoNum type="arabicPeriod"/>
-            </a:pPr>
-            <a:r>
-              <a:rPr lang="en-CA" dirty="0"/>
-              <a:t>Create branches</a:t>
-            </a:r>
-          </a:p>
-          <a:p>
-            <a:pPr marL="342900" indent="-342900">
-              <a:buAutoNum type="arabicPeriod"/>
-            </a:pPr>
-            <a:r>
-              <a:rPr lang="en-CA" dirty="0"/>
-              <a:t>Generate machine learning module</a:t>
-            </a:r>
-          </a:p>
-          <a:p>
-            <a:pPr marL="342900" indent="-342900">
-              <a:buAutoNum type="arabicPeriod"/>
-            </a:pPr>
-            <a:r>
-              <a:rPr lang="en-CA" dirty="0"/>
-              <a:t>Generate database</a:t>
-            </a:r>
-          </a:p>
-        </p:txBody>
-      </p:sp>
     </p:spTree>
     <p:extLst>
       <p:ext uri="{BB962C8B-B14F-4D97-AF65-F5344CB8AC3E}">

--- a/Data Analytics Group 7 Workflow Procedure.pptx
+++ b/Data Analytics Group 7 Workflow Procedure.pptx
@@ -11,8 +11,9 @@
     <p:sldId id="257" r:id="rId5"/>
     <p:sldId id="265" r:id="rId6"/>
     <p:sldId id="261" r:id="rId7"/>
-    <p:sldId id="262" r:id="rId8"/>
-    <p:sldId id="263" r:id="rId9"/>
+    <p:sldId id="266" r:id="rId8"/>
+    <p:sldId id="262" r:id="rId9"/>
+    <p:sldId id="263" r:id="rId10"/>
   </p:sldIdLst>
   <p:sldSz cx="12192000" cy="6858000"/>
   <p:notesSz cx="6858000" cy="9144000"/>
@@ -3801,7 +3802,7 @@
         <a:lstStyle/>
         <a:p>
           <a:r>
-            <a:rPr lang="en-CA"/>
+            <a:rPr lang="en-CA" dirty="0"/>
             <a:t>vote/confirm dataset selection</a:t>
           </a:r>
         </a:p>
@@ -4558,13 +4559,17 @@
       </dgm:t>
     </dgm:pt>
     <dgm:pt modelId="{C162A7E0-A6B6-4328-A395-0F865F902602}">
-      <dgm:prSet phldrT="[Text]"/>
+      <dgm:prSet phldrT="[Text]" custT="1"/>
       <dgm:spPr/>
       <dgm:t>
         <a:bodyPr/>
         <a:lstStyle/>
         <a:p>
-          <a:endParaRPr lang="en-CA" dirty="0"/>
+          <a:r>
+            <a:rPr lang="en-CA" sz="1200" kern="1200" dirty="0"/>
+            <a:t>Presentation</a:t>
+          </a:r>
+          <a:endParaRPr lang="en-CA" sz="1900" kern="1200" dirty="0"/>
         </a:p>
       </dgm:t>
     </dgm:pt>
@@ -4627,13 +4632,16 @@
       </dgm:t>
     </dgm:pt>
     <dgm:pt modelId="{09772F43-6B2F-439C-AD8C-08EA0E929410}">
-      <dgm:prSet phldrT="[Text]"/>
+      <dgm:prSet phldrT="[Text]" custT="1"/>
       <dgm:spPr/>
       <dgm:t>
         <a:bodyPr/>
         <a:lstStyle/>
         <a:p>
-          <a:endParaRPr lang="en-CA" dirty="0"/>
+          <a:r>
+            <a:rPr lang="en-CA" sz="1200" dirty="0"/>
+            <a:t>Tableau</a:t>
+          </a:r>
         </a:p>
       </dgm:t>
     </dgm:pt>
@@ -4732,13 +4740,16 @@
       </dgm:t>
     </dgm:pt>
     <dgm:pt modelId="{C770F4BF-3413-41FC-BED1-048C08AD7530}">
-      <dgm:prSet/>
+      <dgm:prSet custT="1"/>
       <dgm:spPr/>
       <dgm:t>
         <a:bodyPr/>
         <a:lstStyle/>
         <a:p>
-          <a:endParaRPr lang="en-CA" dirty="0"/>
+          <a:r>
+            <a:rPr lang="en-CA" sz="1200" dirty="0"/>
+            <a:t>Machine learning</a:t>
+          </a:r>
         </a:p>
       </dgm:t>
     </dgm:pt>
@@ -4771,7 +4782,7 @@
         <a:bodyPr/>
         <a:lstStyle/>
         <a:p>
-          <a:endParaRPr lang="en-CA" dirty="0"/>
+          <a:endParaRPr lang="en-CA" sz="5100" dirty="0"/>
         </a:p>
       </dgm:t>
     </dgm:pt>
@@ -4798,13 +4809,17 @@
       </dgm:t>
     </dgm:pt>
     <dgm:pt modelId="{AE9B7FB5-1B70-418C-BC4A-43C847FE21C4}">
-      <dgm:prSet phldrT="[Text]"/>
+      <dgm:prSet phldrT="[Text]" custT="1"/>
       <dgm:spPr/>
       <dgm:t>
         <a:bodyPr/>
         <a:lstStyle/>
         <a:p>
-          <a:endParaRPr lang="en-CA" dirty="0"/>
+          <a:r>
+            <a:rPr lang="en-CA" sz="1200" dirty="0"/>
+            <a:t>Database</a:t>
+          </a:r>
+          <a:endParaRPr lang="en-CA" sz="2300" dirty="0"/>
         </a:p>
       </dgm:t>
     </dgm:pt>
@@ -4829,6 +4844,249 @@
           <a:endParaRPr lang="en-CA"/>
         </a:p>
       </dgm:t>
+    </dgm:pt>
+    <dgm:pt modelId="{B8BC6BEB-70D2-402F-81DF-1CB3EAEBCDA5}">
+      <dgm:prSet phldrT="[Text]" custT="1"/>
+      <dgm:spPr/>
+      <dgm:t>
+        <a:bodyPr/>
+        <a:lstStyle/>
+        <a:p>
+          <a:r>
+            <a:rPr lang="en-CA" sz="1200" kern="1200" dirty="0">
+              <a:solidFill>
+                <a:prstClr val="white"/>
+              </a:solidFill>
+              <a:latin typeface="Gill Sans Nova"/>
+              <a:ea typeface="+mn-ea"/>
+              <a:cs typeface="+mn-cs"/>
+            </a:rPr>
+            <a:t>Random Forest model</a:t>
+          </a:r>
+        </a:p>
+      </dgm:t>
+    </dgm:pt>
+    <dgm:pt modelId="{68502803-8695-4EC4-9CFD-147B017084A5}" type="parTrans" cxnId="{A09AD058-A54E-4012-847E-457774B2CD14}">
+      <dgm:prSet/>
+      <dgm:spPr/>
+    </dgm:pt>
+    <dgm:pt modelId="{C13CB91D-8464-47F0-9BFC-D390B048B7C8}" type="sibTrans" cxnId="{A09AD058-A54E-4012-847E-457774B2CD14}">
+      <dgm:prSet/>
+      <dgm:spPr/>
+    </dgm:pt>
+    <dgm:pt modelId="{F6F62B8C-5AEE-4B27-A429-D75BF7C5AC39}">
+      <dgm:prSet phldrT="[Text]" custT="1"/>
+      <dgm:spPr/>
+      <dgm:t>
+        <a:bodyPr/>
+        <a:lstStyle/>
+        <a:p>
+          <a:r>
+            <a:rPr lang="en-CA" sz="1200" dirty="0"/>
+            <a:t>Update weekly task list</a:t>
+          </a:r>
+        </a:p>
+      </dgm:t>
+    </dgm:pt>
+    <dgm:pt modelId="{9ADBE037-25B2-401A-B894-5A9BFE44C90B}" type="parTrans" cxnId="{258027EE-DDE9-40A8-95D5-73EE8C7D1F61}">
+      <dgm:prSet/>
+      <dgm:spPr/>
+    </dgm:pt>
+    <dgm:pt modelId="{7EEEDD4E-3B53-403C-AA39-95CB2FCFEC9E}" type="sibTrans" cxnId="{258027EE-DDE9-40A8-95D5-73EE8C7D1F61}">
+      <dgm:prSet/>
+      <dgm:spPr/>
+    </dgm:pt>
+    <dgm:pt modelId="{8434E491-43B5-4373-B1BD-CC60DCEE91EA}">
+      <dgm:prSet phldrT="[Text]" custT="1"/>
+      <dgm:spPr/>
+      <dgm:t>
+        <a:bodyPr/>
+        <a:lstStyle/>
+        <a:p>
+          <a:r>
+            <a:rPr lang="en-CA" sz="1200" dirty="0"/>
+            <a:t>Join data in database</a:t>
+          </a:r>
+          <a:endParaRPr lang="en-CA" sz="2300" dirty="0"/>
+        </a:p>
+      </dgm:t>
+    </dgm:pt>
+    <dgm:pt modelId="{95AABCE8-771C-4694-8A79-A8D9C7F7D6B1}" type="parTrans" cxnId="{72871361-A205-4CCE-8A72-66CDA3D95DB3}">
+      <dgm:prSet/>
+      <dgm:spPr/>
+    </dgm:pt>
+    <dgm:pt modelId="{A60A62A1-CED9-4E1E-99EC-C9217CAA31AE}" type="sibTrans" cxnId="{72871361-A205-4CCE-8A72-66CDA3D95DB3}">
+      <dgm:prSet/>
+      <dgm:spPr/>
+    </dgm:pt>
+    <dgm:pt modelId="{C4E0A14E-28BD-4327-B521-C84CFE39CCFD}">
+      <dgm:prSet custT="1"/>
+      <dgm:spPr/>
+      <dgm:t>
+        <a:bodyPr/>
+        <a:lstStyle/>
+        <a:p>
+          <a:r>
+            <a:rPr lang="en-CA" sz="1200" dirty="0"/>
+            <a:t>Run data through previously created machine learning template  </a:t>
+          </a:r>
+        </a:p>
+      </dgm:t>
+    </dgm:pt>
+    <dgm:pt modelId="{6D196B31-E854-4E5B-A212-FA4F9FA97429}" type="parTrans" cxnId="{CDB31F36-F2BA-44D1-B814-57E75B5FCEC2}">
+      <dgm:prSet/>
+      <dgm:spPr/>
+    </dgm:pt>
+    <dgm:pt modelId="{0C1DBE7A-2CF0-480E-99F9-ED91ADC11FA7}" type="sibTrans" cxnId="{CDB31F36-F2BA-44D1-B814-57E75B5FCEC2}">
+      <dgm:prSet/>
+      <dgm:spPr/>
+    </dgm:pt>
+    <dgm:pt modelId="{D2D064A4-C236-41E3-8132-A52C4A629B2E}">
+      <dgm:prSet phldrT="[Text]" custT="1"/>
+      <dgm:spPr/>
+      <dgm:t>
+        <a:bodyPr/>
+        <a:lstStyle/>
+        <a:p>
+          <a:r>
+            <a:rPr lang="en-CA" sz="1200" dirty="0"/>
+            <a:t>Load database data into machine learning module </a:t>
+          </a:r>
+          <a:endParaRPr lang="en-CA" sz="2300" dirty="0"/>
+        </a:p>
+      </dgm:t>
+    </dgm:pt>
+    <dgm:pt modelId="{E0444879-C2BE-4109-ABB6-4D40C04D04B6}" type="parTrans" cxnId="{78A7F466-BAA6-4DCB-AD53-8C360C5D4EC9}">
+      <dgm:prSet/>
+      <dgm:spPr/>
+    </dgm:pt>
+    <dgm:pt modelId="{3D887FC9-2D28-4451-9C82-70ED74FC1892}" type="sibTrans" cxnId="{78A7F466-BAA6-4DCB-AD53-8C360C5D4EC9}">
+      <dgm:prSet/>
+      <dgm:spPr/>
+    </dgm:pt>
+    <dgm:pt modelId="{D528EAE6-4430-4733-B709-495BA9C518A2}">
+      <dgm:prSet phldrT="[Text]" custT="1"/>
+      <dgm:spPr/>
+      <dgm:t>
+        <a:bodyPr/>
+        <a:lstStyle/>
+        <a:p>
+          <a:r>
+            <a:rPr lang="en-CA" sz="1200" dirty="0"/>
+            <a:t>Create worksheets and dashboard</a:t>
+          </a:r>
+        </a:p>
+      </dgm:t>
+    </dgm:pt>
+    <dgm:pt modelId="{47C2F69E-2E1B-4600-9874-00081B368B99}" type="parTrans" cxnId="{1137CBAD-46B1-4CCE-A715-50F52FBDBEB6}">
+      <dgm:prSet/>
+      <dgm:spPr/>
+    </dgm:pt>
+    <dgm:pt modelId="{796E3741-12E2-495B-9A61-05FA38503863}" type="sibTrans" cxnId="{1137CBAD-46B1-4CCE-A715-50F52FBDBEB6}">
+      <dgm:prSet/>
+      <dgm:spPr/>
+    </dgm:pt>
+    <dgm:pt modelId="{8612218B-28DD-4C6D-ADD6-C0DC48B04FBB}">
+      <dgm:prSet phldrT="[Text]" custT="1"/>
+      <dgm:spPr/>
+      <dgm:t>
+        <a:bodyPr/>
+        <a:lstStyle/>
+        <a:p>
+          <a:r>
+            <a:rPr lang="en-CA" sz="1200" dirty="0"/>
+            <a:t>Prepare story as part of dashboard project</a:t>
+          </a:r>
+        </a:p>
+      </dgm:t>
+    </dgm:pt>
+    <dgm:pt modelId="{D1ED5E62-D8D8-4BAA-B823-1DBF8DD4BF75}" type="parTrans" cxnId="{F1302E55-2F8A-45F1-A838-F3FEF89EC598}">
+      <dgm:prSet/>
+      <dgm:spPr/>
+    </dgm:pt>
+    <dgm:pt modelId="{85B3CC4D-95C6-42E6-8BDC-EAAA796C4AA0}" type="sibTrans" cxnId="{F1302E55-2F8A-45F1-A838-F3FEF89EC598}">
+      <dgm:prSet/>
+      <dgm:spPr/>
+    </dgm:pt>
+    <dgm:pt modelId="{D2FF996C-DBF3-44AC-835D-605DDAFB8009}">
+      <dgm:prSet phldrT="[Text]" custT="1"/>
+      <dgm:spPr/>
+      <dgm:t>
+        <a:bodyPr/>
+        <a:lstStyle/>
+        <a:p>
+          <a:r>
+            <a:rPr lang="en-CA" sz="1200" kern="1200" dirty="0">
+              <a:solidFill>
+                <a:prstClr val="white"/>
+              </a:solidFill>
+              <a:latin typeface="Gill Sans Nova"/>
+              <a:ea typeface="+mn-ea"/>
+              <a:cs typeface="+mn-cs"/>
+            </a:rPr>
+            <a:t>Create slide template</a:t>
+          </a:r>
+        </a:p>
+      </dgm:t>
+    </dgm:pt>
+    <dgm:pt modelId="{61AF05CC-687B-4B9A-9D5D-3C3FE40072F3}" type="parTrans" cxnId="{C2ECD211-D073-4483-B999-18CB24EB2E09}">
+      <dgm:prSet/>
+      <dgm:spPr/>
+    </dgm:pt>
+    <dgm:pt modelId="{FADBCD87-615C-4A46-806D-390F626FF44F}" type="sibTrans" cxnId="{C2ECD211-D073-4483-B999-18CB24EB2E09}">
+      <dgm:prSet/>
+      <dgm:spPr/>
+    </dgm:pt>
+    <dgm:pt modelId="{662D96F5-E4D9-4067-9875-AD25C2C2F7C2}">
+      <dgm:prSet phldrT="[Text]" custT="1"/>
+      <dgm:spPr/>
+      <dgm:t>
+        <a:bodyPr/>
+        <a:lstStyle/>
+        <a:p>
+          <a:r>
+            <a:rPr lang="en-CA" sz="1200" kern="1200" dirty="0">
+              <a:solidFill>
+                <a:prstClr val="white"/>
+              </a:solidFill>
+              <a:latin typeface="Gill Sans Nova"/>
+              <a:ea typeface="+mn-ea"/>
+              <a:cs typeface="+mn-cs"/>
+            </a:rPr>
+            <a:t>Send PowerPoint slides to Ethan to be uploaded as Google Slides</a:t>
+          </a:r>
+        </a:p>
+      </dgm:t>
+    </dgm:pt>
+    <dgm:pt modelId="{CA7B5DB3-F822-404A-82FE-3B8A5BA29833}" type="parTrans" cxnId="{D66B7EA8-3A0C-488F-9E69-6624346FDF87}">
+      <dgm:prSet/>
+      <dgm:spPr/>
+    </dgm:pt>
+    <dgm:pt modelId="{028B3DA2-604A-448A-972A-040AF0F31EA9}" type="sibTrans" cxnId="{D66B7EA8-3A0C-488F-9E69-6624346FDF87}">
+      <dgm:prSet/>
+      <dgm:spPr/>
+    </dgm:pt>
+    <dgm:pt modelId="{DD2C06E8-7CC3-43CE-BA2B-1F1C7F4A382E}">
+      <dgm:prSet phldrT="[Text]" custT="1"/>
+      <dgm:spPr/>
+      <dgm:t>
+        <a:bodyPr/>
+        <a:lstStyle/>
+        <a:p>
+          <a:r>
+            <a:rPr lang="en-CA" sz="1200" dirty="0"/>
+            <a:t>Upload PowerPoint as Google Slides</a:t>
+          </a:r>
+        </a:p>
+      </dgm:t>
+    </dgm:pt>
+    <dgm:pt modelId="{AE2B23F4-03F8-48F8-9172-53478D513A87}" type="parTrans" cxnId="{3EF18094-890B-4A16-B078-31B33C5BA71C}">
+      <dgm:prSet/>
+      <dgm:spPr/>
+    </dgm:pt>
+    <dgm:pt modelId="{063477B7-F8B6-40A3-BAB1-7A0E66B0A544}" type="sibTrans" cxnId="{3EF18094-890B-4A16-B078-31B33C5BA71C}">
+      <dgm:prSet/>
+      <dgm:spPr/>
     </dgm:pt>
     <dgm:pt modelId="{626B421C-2D2D-411D-89BD-189EF3A513B0}" type="pres">
       <dgm:prSet presAssocID="{30D1EA6B-A85F-494A-B94C-25664E667EE4}" presName="linearFlow" presStyleCnt="0">
@@ -4853,7 +5111,7 @@
       <dgm:spPr/>
     </dgm:pt>
     <dgm:pt modelId="{BE524F8F-40E5-4BA6-A8BF-D822AE2E39EF}" type="pres">
-      <dgm:prSet presAssocID="{98FC6D78-19D3-4F57-83A1-7E567A02B02A}" presName="childNode" presStyleLbl="node1" presStyleIdx="0" presStyleCnt="4">
+      <dgm:prSet presAssocID="{98FC6D78-19D3-4F57-83A1-7E567A02B02A}" presName="childNode" presStyleLbl="node1" presStyleIdx="0" presStyleCnt="4" custLinFactNeighborX="-1428">
         <dgm:presLayoutVars>
           <dgm:bulletEnabled val="1"/>
         </dgm:presLayoutVars>
@@ -4970,25 +5228,45 @@
     </dgm:pt>
   </dgm:ptLst>
   <dgm:cxnLst>
+    <dgm:cxn modelId="{C2ECD211-D073-4483-B999-18CB24EB2E09}" srcId="{98FC6D78-19D3-4F57-83A1-7E567A02B02A}" destId="{D2FF996C-DBF3-44AC-835D-605DDAFB8009}" srcOrd="2" destOrd="0" parTransId="{61AF05CC-687B-4B9A-9D5D-3C3FE40072F3}" sibTransId="{FADBCD87-615C-4A46-806D-390F626FF44F}"/>
     <dgm:cxn modelId="{F667B813-7F34-4A94-BAEB-EEE7CDAD7167}" srcId="{30D1EA6B-A85F-494A-B94C-25664E667EE4}" destId="{5449E24A-7F5C-4061-B589-B0AB43F305D5}" srcOrd="1" destOrd="0" parTransId="{30B6989E-0466-4292-81AD-82709FE4D8BB}" sibTransId="{2CCD0AF2-3B10-4F02-A7F0-0E1CD812773E}"/>
     <dgm:cxn modelId="{472B161A-0D98-42E5-8614-1855E2C204C6}" srcId="{4BEF3AE8-F23D-406F-B9AD-85D53A80E5A5}" destId="{AE9B7FB5-1B70-418C-BC4A-43C847FE21C4}" srcOrd="0" destOrd="0" parTransId="{96EDBC1B-A232-471B-B338-6C610B830D99}" sibTransId="{60F21E08-32F6-4C81-AD9A-65E0FD6B4EBD}"/>
     <dgm:cxn modelId="{15B4C920-7422-47F0-85DB-88CEAF44D0E3}" srcId="{30D1EA6B-A85F-494A-B94C-25664E667EE4}" destId="{4BEF3AE8-F23D-406F-B9AD-85D53A80E5A5}" srcOrd="2" destOrd="0" parTransId="{6184A572-4AED-4390-8438-5F71DBCFC13F}" sibTransId="{A1BA46C3-BD0F-4F74-8836-0434F8DBE255}"/>
     <dgm:cxn modelId="{57114930-5C56-4EC8-AD09-60AE2DD5ADCC}" type="presOf" srcId="{09772F43-6B2F-439C-AD8C-08EA0E929410}" destId="{1E11956E-F39A-4E5C-B96E-D039F943D60B}" srcOrd="0" destOrd="0" presId="urn:microsoft.com/office/officeart/2005/8/layout/hList2"/>
+    <dgm:cxn modelId="{3F2CCD32-1F0E-4BAC-80EF-9DB533E39FF2}" type="presOf" srcId="{C4E0A14E-28BD-4327-B521-C84CFE39CCFD}" destId="{73085D42-9FC8-43EB-A671-A753243D279C}" srcOrd="0" destOrd="1" presId="urn:microsoft.com/office/officeart/2005/8/layout/hList2"/>
+    <dgm:cxn modelId="{CDB31F36-F2BA-44D1-B814-57E75B5FCEC2}" srcId="{8F60583F-B92B-4DCA-B5CB-B37FDBD601AE}" destId="{C4E0A14E-28BD-4327-B521-C84CFE39CCFD}" srcOrd="1" destOrd="0" parTransId="{6D196B31-E854-4E5B-A212-FA4F9FA97429}" sibTransId="{0C1DBE7A-2CF0-480E-99F9-ED91ADC11FA7}"/>
+    <dgm:cxn modelId="{72871361-A205-4CCE-8A72-66CDA3D95DB3}" srcId="{4BEF3AE8-F23D-406F-B9AD-85D53A80E5A5}" destId="{8434E491-43B5-4373-B1BD-CC60DCEE91EA}" srcOrd="1" destOrd="0" parTransId="{95AABCE8-771C-4694-8A79-A8D9C7F7D6B1}" sibTransId="{A60A62A1-CED9-4E1E-99EC-C9217CAA31AE}"/>
     <dgm:cxn modelId="{51009F42-212E-4E42-B6AA-05D83172ADE2}" srcId="{8F60583F-B92B-4DCA-B5CB-B37FDBD601AE}" destId="{C770F4BF-3413-41FC-BED1-048C08AD7530}" srcOrd="0" destOrd="0" parTransId="{48EF212D-3980-4D28-B78E-A2A20742FB70}" sibTransId="{EFC85A1E-4088-41EF-890C-E257B58812B2}"/>
     <dgm:cxn modelId="{8110BD46-E9B8-4FB8-BED4-522E4474384E}" type="presOf" srcId="{C162A7E0-A6B6-4328-A395-0F865F902602}" destId="{BE524F8F-40E5-4BA6-A8BF-D822AE2E39EF}" srcOrd="0" destOrd="0" presId="urn:microsoft.com/office/officeart/2005/8/layout/hList2"/>
+    <dgm:cxn modelId="{78A7F466-BAA6-4DCB-AD53-8C360C5D4EC9}" srcId="{4BEF3AE8-F23D-406F-B9AD-85D53A80E5A5}" destId="{D2D064A4-C236-41E3-8132-A52C4A629B2E}" srcOrd="2" destOrd="0" parTransId="{E0444879-C2BE-4109-ABB6-4D40C04D04B6}" sibTransId="{3D887FC9-2D28-4451-9C82-70ED74FC1892}"/>
     <dgm:cxn modelId="{60067647-6502-46AA-AAF7-589338B77127}" type="presOf" srcId="{AE9B7FB5-1B70-418C-BC4A-43C847FE21C4}" destId="{1AFDE1CC-A79E-4691-B149-942072C56BBD}" srcOrd="0" destOrd="0" presId="urn:microsoft.com/office/officeart/2005/8/layout/hList2"/>
+    <dgm:cxn modelId="{2AA03968-C59D-41C5-809F-A00E1A8129DB}" type="presOf" srcId="{D528EAE6-4430-4733-B709-495BA9C518A2}" destId="{1E11956E-F39A-4E5C-B96E-D039F943D60B}" srcOrd="0" destOrd="2" presId="urn:microsoft.com/office/officeart/2005/8/layout/hList2"/>
     <dgm:cxn modelId="{BEE45B4C-8AA6-45AE-9F3D-DC919C30A375}" type="presOf" srcId="{5449E24A-7F5C-4061-B589-B0AB43F305D5}" destId="{682C5CC6-04D1-4990-835D-08FF945FD3CB}" srcOrd="0" destOrd="0" presId="urn:microsoft.com/office/officeart/2005/8/layout/hList2"/>
     <dgm:cxn modelId="{3580874D-5F1A-4998-B75B-7D61077F398F}" type="presOf" srcId="{C770F4BF-3413-41FC-BED1-048C08AD7530}" destId="{73085D42-9FC8-43EB-A671-A753243D279C}" srcOrd="0" destOrd="0" presId="urn:microsoft.com/office/officeart/2005/8/layout/hList2"/>
     <dgm:cxn modelId="{9C78226E-FDBC-44F4-8956-B8D23AC84BC0}" type="presOf" srcId="{30D1EA6B-A85F-494A-B94C-25664E667EE4}" destId="{626B421C-2D2D-411D-89BD-189EF3A513B0}" srcOrd="0" destOrd="0" presId="urn:microsoft.com/office/officeart/2005/8/layout/hList2"/>
     <dgm:cxn modelId="{0BA55C4E-F454-4080-B005-21321835C61F}" srcId="{98FC6D78-19D3-4F57-83A1-7E567A02B02A}" destId="{C162A7E0-A6B6-4328-A395-0F865F902602}" srcOrd="0" destOrd="0" parTransId="{83E7DD8E-443D-482D-997D-A43B31290800}" sibTransId="{D73CDB90-B856-441B-9B22-01065846874A}"/>
     <dgm:cxn modelId="{94C4F353-403B-45E6-B099-5A7BBB58DFF1}" type="presOf" srcId="{98FC6D78-19D3-4F57-83A1-7E567A02B02A}" destId="{62C4C0F5-7228-48FE-BC5D-86BA23202974}" srcOrd="0" destOrd="0" presId="urn:microsoft.com/office/officeart/2005/8/layout/hList2"/>
     <dgm:cxn modelId="{FB1DD274-6F53-40AC-B75C-34BCA99D06F8}" srcId="{30D1EA6B-A85F-494A-B94C-25664E667EE4}" destId="{98FC6D78-19D3-4F57-83A1-7E567A02B02A}" srcOrd="0" destOrd="0" parTransId="{4B94BDFC-BE0C-4132-AA5F-54E7F1BB8AB0}" sibTransId="{41760B2B-5EA7-4894-A930-F02578EA3D22}"/>
+    <dgm:cxn modelId="{F1302E55-2F8A-45F1-A838-F3FEF89EC598}" srcId="{5449E24A-7F5C-4061-B589-B0AB43F305D5}" destId="{8612218B-28DD-4C6D-ADD6-C0DC48B04FBB}" srcOrd="3" destOrd="0" parTransId="{D1ED5E62-D8D8-4BAA-B823-1DBF8DD4BF75}" sibTransId="{85B3CC4D-95C6-42E6-8BDC-EAAA796C4AA0}"/>
+    <dgm:cxn modelId="{A09AD058-A54E-4012-847E-457774B2CD14}" srcId="{98FC6D78-19D3-4F57-83A1-7E567A02B02A}" destId="{B8BC6BEB-70D2-402F-81DF-1CB3EAEBCDA5}" srcOrd="1" destOrd="0" parTransId="{68502803-8695-4EC4-9CFD-147B017084A5}" sibTransId="{C13CB91D-8464-47F0-9BFC-D390B048B7C8}"/>
     <dgm:cxn modelId="{AC1AB259-6D9A-403B-BA01-DACAFA1426C9}" srcId="{5449E24A-7F5C-4061-B589-B0AB43F305D5}" destId="{09772F43-6B2F-439C-AD8C-08EA0E929410}" srcOrd="0" destOrd="0" parTransId="{CE90E108-310B-4316-9819-68DF7D5C6F48}" sibTransId="{7F99ABDC-94E2-47CA-B131-07095A8EE0D0}"/>
+    <dgm:cxn modelId="{1E81E07A-3A02-454F-9FEA-2F255104400D}" type="presOf" srcId="{F6F62B8C-5AEE-4B27-A429-D75BF7C5AC39}" destId="{1E11956E-F39A-4E5C-B96E-D039F943D60B}" srcOrd="0" destOrd="1" presId="urn:microsoft.com/office/officeart/2005/8/layout/hList2"/>
+    <dgm:cxn modelId="{1E973383-683A-4EA3-94FB-3830CD7F469F}" type="presOf" srcId="{DD2C06E8-7CC3-43CE-BA2B-1F1C7F4A382E}" destId="{1E11956E-F39A-4E5C-B96E-D039F943D60B}" srcOrd="0" destOrd="4" presId="urn:microsoft.com/office/officeart/2005/8/layout/hList2"/>
     <dgm:cxn modelId="{9EEF4E8C-12BA-440D-A24B-6F851BCE6497}" type="presOf" srcId="{8F60583F-B92B-4DCA-B5CB-B37FDBD601AE}" destId="{801EE0EC-9695-499E-B867-4849409F3FF3}" srcOrd="0" destOrd="0" presId="urn:microsoft.com/office/officeart/2005/8/layout/hList2"/>
+    <dgm:cxn modelId="{15D7D48C-F58B-4EA4-B5D2-B75937AFA789}" type="presOf" srcId="{662D96F5-E4D9-4067-9875-AD25C2C2F7C2}" destId="{BE524F8F-40E5-4BA6-A8BF-D822AE2E39EF}" srcOrd="0" destOrd="3" presId="urn:microsoft.com/office/officeart/2005/8/layout/hList2"/>
     <dgm:cxn modelId="{95C57D91-D42D-4832-A0F8-6ECCC7416789}" type="presOf" srcId="{4BEF3AE8-F23D-406F-B9AD-85D53A80E5A5}" destId="{85328401-0ABF-43F0-B777-0C2E70872F5A}" srcOrd="0" destOrd="0" presId="urn:microsoft.com/office/officeart/2005/8/layout/hList2"/>
-    <dgm:cxn modelId="{C378C9A8-882A-473E-9284-F6D63A797E05}" srcId="{8F60583F-B92B-4DCA-B5CB-B37FDBD601AE}" destId="{8ED984BB-63F1-4A94-8891-5129C8E15E60}" srcOrd="1" destOrd="0" parTransId="{FCA2441C-8326-47B0-912A-10FD00D75CB8}" sibTransId="{09CB0ECE-B66B-4CDE-9578-EF0EEC1A51E0}"/>
+    <dgm:cxn modelId="{48B6BD91-861A-4BA6-A780-CED1943898E2}" type="presOf" srcId="{D2FF996C-DBF3-44AC-835D-605DDAFB8009}" destId="{BE524F8F-40E5-4BA6-A8BF-D822AE2E39EF}" srcOrd="0" destOrd="2" presId="urn:microsoft.com/office/officeart/2005/8/layout/hList2"/>
+    <dgm:cxn modelId="{3EF18094-890B-4A16-B078-31B33C5BA71C}" srcId="{5449E24A-7F5C-4061-B589-B0AB43F305D5}" destId="{DD2C06E8-7CC3-43CE-BA2B-1F1C7F4A382E}" srcOrd="4" destOrd="0" parTransId="{AE2B23F4-03F8-48F8-9172-53478D513A87}" sibTransId="{063477B7-F8B6-40A3-BAB1-7A0E66B0A544}"/>
+    <dgm:cxn modelId="{D66B7EA8-3A0C-488F-9E69-6624346FDF87}" srcId="{98FC6D78-19D3-4F57-83A1-7E567A02B02A}" destId="{662D96F5-E4D9-4067-9875-AD25C2C2F7C2}" srcOrd="3" destOrd="0" parTransId="{CA7B5DB3-F822-404A-82FE-3B8A5BA29833}" sibTransId="{028B3DA2-604A-448A-972A-040AF0F31EA9}"/>
+    <dgm:cxn modelId="{C378C9A8-882A-473E-9284-F6D63A797E05}" srcId="{8F60583F-B92B-4DCA-B5CB-B37FDBD601AE}" destId="{8ED984BB-63F1-4A94-8891-5129C8E15E60}" srcOrd="2" destOrd="0" parTransId="{FCA2441C-8326-47B0-912A-10FD00D75CB8}" sibTransId="{09CB0ECE-B66B-4CDE-9578-EF0EEC1A51E0}"/>
+    <dgm:cxn modelId="{1137CBAD-46B1-4CCE-A715-50F52FBDBEB6}" srcId="{5449E24A-7F5C-4061-B589-B0AB43F305D5}" destId="{D528EAE6-4430-4733-B709-495BA9C518A2}" srcOrd="2" destOrd="0" parTransId="{47C2F69E-2E1B-4600-9874-00081B368B99}" sibTransId="{796E3741-12E2-495B-9A61-05FA38503863}"/>
     <dgm:cxn modelId="{56F3F5B9-09EE-4CC1-A6D6-A99D911972FA}" srcId="{30D1EA6B-A85F-494A-B94C-25664E667EE4}" destId="{8F60583F-B92B-4DCA-B5CB-B37FDBD601AE}" srcOrd="3" destOrd="0" parTransId="{9A9B4595-EA38-4413-BA3A-69FEB751C58D}" sibTransId="{4A66457C-F3AC-431F-9D7E-FC8E9605DC96}"/>
-    <dgm:cxn modelId="{AE178FD5-1DB0-41EA-8231-8A44D8824B29}" type="presOf" srcId="{8ED984BB-63F1-4A94-8891-5129C8E15E60}" destId="{73085D42-9FC8-43EB-A671-A753243D279C}" srcOrd="0" destOrd="1" presId="urn:microsoft.com/office/officeart/2005/8/layout/hList2"/>
+    <dgm:cxn modelId="{5F7F2ACB-4A0B-4596-8C56-9E54089CFDE7}" type="presOf" srcId="{8434E491-43B5-4373-B1BD-CC60DCEE91EA}" destId="{1AFDE1CC-A79E-4691-B149-942072C56BBD}" srcOrd="0" destOrd="1" presId="urn:microsoft.com/office/officeart/2005/8/layout/hList2"/>
+    <dgm:cxn modelId="{AE178FD5-1DB0-41EA-8231-8A44D8824B29}" type="presOf" srcId="{8ED984BB-63F1-4A94-8891-5129C8E15E60}" destId="{73085D42-9FC8-43EB-A671-A753243D279C}" srcOrd="0" destOrd="2" presId="urn:microsoft.com/office/officeart/2005/8/layout/hList2"/>
+    <dgm:cxn modelId="{E58E23D9-B1F1-4F7B-8B6A-ADDEBD1101C8}" type="presOf" srcId="{D2D064A4-C236-41E3-8132-A52C4A629B2E}" destId="{1AFDE1CC-A79E-4691-B149-942072C56BBD}" srcOrd="0" destOrd="2" presId="urn:microsoft.com/office/officeart/2005/8/layout/hList2"/>
+    <dgm:cxn modelId="{258027EE-DDE9-40A8-95D5-73EE8C7D1F61}" srcId="{5449E24A-7F5C-4061-B589-B0AB43F305D5}" destId="{F6F62B8C-5AEE-4B27-A429-D75BF7C5AC39}" srcOrd="1" destOrd="0" parTransId="{9ADBE037-25B2-401A-B894-5A9BFE44C90B}" sibTransId="{7EEEDD4E-3B53-403C-AA39-95CB2FCFEC9E}"/>
+    <dgm:cxn modelId="{46C8DBEE-EA3A-42D5-B88C-AAA4ADE2FBAE}" type="presOf" srcId="{8612218B-28DD-4C6D-ADD6-C0DC48B04FBB}" destId="{1E11956E-F39A-4E5C-B96E-D039F943D60B}" srcOrd="0" destOrd="3" presId="urn:microsoft.com/office/officeart/2005/8/layout/hList2"/>
+    <dgm:cxn modelId="{B80247FA-5F22-4FCF-850C-C01EF738F41E}" type="presOf" srcId="{B8BC6BEB-70D2-402F-81DF-1CB3EAEBCDA5}" destId="{BE524F8F-40E5-4BA6-A8BF-D822AE2E39EF}" srcOrd="0" destOrd="1" presId="urn:microsoft.com/office/officeart/2005/8/layout/hList2"/>
     <dgm:cxn modelId="{17F6670B-BC4C-4C75-BA7A-9DD3EA8C0BD6}" type="presParOf" srcId="{626B421C-2D2D-411D-89BD-189EF3A513B0}" destId="{29E61F02-96D6-499D-844E-A5AB97778F5A}" srcOrd="0" destOrd="0" presId="urn:microsoft.com/office/officeart/2005/8/layout/hList2"/>
     <dgm:cxn modelId="{B829D46D-2D0E-475E-8C99-88DE4E2AAB1C}" type="presParOf" srcId="{29E61F02-96D6-499D-844E-A5AB97778F5A}" destId="{6244AC98-A5D1-403D-8C90-BF311B5850A7}" srcOrd="0" destOrd="0" presId="urn:microsoft.com/office/officeart/2005/8/layout/hList2"/>
     <dgm:cxn modelId="{45BB5EC8-AA95-4279-A6BB-9CE64B356B2A}" type="presParOf" srcId="{29E61F02-96D6-499D-844E-A5AB97778F5A}" destId="{BE524F8F-40E5-4BA6-A8BF-D822AE2E39EF}" srcOrd="1" destOrd="0" presId="urn:microsoft.com/office/officeart/2005/8/layout/hList2"/>
@@ -6212,7 +6490,7 @@
             <a:buChar char="•"/>
           </a:pPr>
           <a:r>
-            <a:rPr lang="en-CA" sz="1200" kern="1200"/>
+            <a:rPr lang="en-CA" sz="1200" kern="1200" dirty="0"/>
             <a:t>vote/confirm dataset selection</a:t>
           </a:r>
         </a:p>
@@ -7289,7 +7567,7 @@
       </dsp:nvSpPr>
       <dsp:spPr>
         <a:xfrm>
-          <a:off x="426617" y="796184"/>
+          <a:off x="400744" y="796184"/>
           <a:ext cx="1811847" cy="3943331"/>
         </a:xfrm>
         <a:prstGeom prst="rect">
@@ -7332,12 +7610,12 @@
         </a:fontRef>
       </dsp:style>
       <dsp:txBody>
-        <a:bodyPr spcFirstLastPara="0" vert="horz" wrap="square" lIns="462280" tIns="320805" rIns="462280" bIns="462280" numCol="1" spcCol="1270" anchor="t" anchorCtr="0">
+        <a:bodyPr spcFirstLastPara="0" vert="horz" wrap="square" lIns="85344" tIns="320805" rIns="85344" bIns="85344" numCol="1" spcCol="1270" anchor="t" anchorCtr="0">
           <a:noAutofit/>
         </a:bodyPr>
         <a:lstStyle/>
         <a:p>
-          <a:pPr marL="285750" lvl="1" indent="-285750" algn="l" defTabSz="2266950">
+          <a:pPr marL="114300" lvl="1" indent="-114300" algn="l" defTabSz="533400">
             <a:lnSpc>
               <a:spcPct val="90000"/>
             </a:lnSpc>
@@ -7349,11 +7627,90 @@
             </a:spcAft>
             <a:buChar char="•"/>
           </a:pPr>
-          <a:endParaRPr lang="en-CA" sz="5100" kern="1200" dirty="0"/>
+          <a:r>
+            <a:rPr lang="en-CA" sz="1200" kern="1200" dirty="0"/>
+            <a:t>Presentation</a:t>
+          </a:r>
+          <a:endParaRPr lang="en-CA" sz="1900" kern="1200" dirty="0"/>
+        </a:p>
+        <a:p>
+          <a:pPr marL="114300" lvl="1" indent="-114300" algn="l" defTabSz="533400">
+            <a:lnSpc>
+              <a:spcPct val="90000"/>
+            </a:lnSpc>
+            <a:spcBef>
+              <a:spcPct val="0"/>
+            </a:spcBef>
+            <a:spcAft>
+              <a:spcPct val="15000"/>
+            </a:spcAft>
+            <a:buChar char="•"/>
+          </a:pPr>
+          <a:r>
+            <a:rPr lang="en-CA" sz="1200" kern="1200" dirty="0">
+              <a:solidFill>
+                <a:prstClr val="white"/>
+              </a:solidFill>
+              <a:latin typeface="Gill Sans Nova"/>
+              <a:ea typeface="+mn-ea"/>
+              <a:cs typeface="+mn-cs"/>
+            </a:rPr>
+            <a:t>Random Forest model</a:t>
+          </a:r>
+        </a:p>
+        <a:p>
+          <a:pPr marL="114300" lvl="1" indent="-114300" algn="l" defTabSz="533400">
+            <a:lnSpc>
+              <a:spcPct val="90000"/>
+            </a:lnSpc>
+            <a:spcBef>
+              <a:spcPct val="0"/>
+            </a:spcBef>
+            <a:spcAft>
+              <a:spcPct val="15000"/>
+            </a:spcAft>
+            <a:buChar char="•"/>
+          </a:pPr>
+          <a:r>
+            <a:rPr lang="en-CA" sz="1200" kern="1200" dirty="0">
+              <a:solidFill>
+                <a:prstClr val="white"/>
+              </a:solidFill>
+              <a:latin typeface="Gill Sans Nova"/>
+              <a:ea typeface="+mn-ea"/>
+              <a:cs typeface="+mn-cs"/>
+            </a:rPr>
+            <a:t>Create slide template</a:t>
+          </a:r>
+        </a:p>
+        <a:p>
+          <a:pPr marL="114300" lvl="1" indent="-114300" algn="l" defTabSz="533400">
+            <a:lnSpc>
+              <a:spcPct val="90000"/>
+            </a:lnSpc>
+            <a:spcBef>
+              <a:spcPct val="0"/>
+            </a:spcBef>
+            <a:spcAft>
+              <a:spcPct val="15000"/>
+            </a:spcAft>
+            <a:buChar char="•"/>
+          </a:pPr>
+          <a:r>
+            <a:rPr lang="en-CA" sz="1200" kern="1200" dirty="0">
+              <a:solidFill>
+                <a:prstClr val="white"/>
+              </a:solidFill>
+              <a:latin typeface="Gill Sans Nova"/>
+              <a:ea typeface="+mn-ea"/>
+              <a:cs typeface="+mn-cs"/>
+            </a:rPr>
+            <a:t>Send PowerPoint slides to Ethan to be uploaded as Google Slides</a:t>
+          </a:r>
         </a:p>
       </dsp:txBody>
       <dsp:txXfrm>
-        <a:off x="426617" y="796184"/>
+        <a:off x="400744" y="796184"/>
         <a:ext cx="1811847" cy="3943331"/>
       </dsp:txXfrm>
     </dsp:sp>
@@ -7516,12 +7873,12 @@
         </a:fontRef>
       </dsp:style>
       <dsp:txBody>
-        <a:bodyPr spcFirstLastPara="0" vert="horz" wrap="square" lIns="462280" tIns="320805" rIns="462280" bIns="462280" numCol="1" spcCol="1270" anchor="t" anchorCtr="0">
+        <a:bodyPr spcFirstLastPara="0" vert="horz" wrap="square" lIns="85344" tIns="320805" rIns="85344" bIns="85344" numCol="1" spcCol="1270" anchor="t" anchorCtr="0">
           <a:noAutofit/>
         </a:bodyPr>
         <a:lstStyle/>
         <a:p>
-          <a:pPr marL="285750" lvl="1" indent="-285750" algn="l" defTabSz="2266950">
+          <a:pPr marL="114300" lvl="1" indent="-114300" algn="l" defTabSz="533400">
             <a:lnSpc>
               <a:spcPct val="90000"/>
             </a:lnSpc>
@@ -7533,7 +7890,82 @@
             </a:spcAft>
             <a:buChar char="•"/>
           </a:pPr>
-          <a:endParaRPr lang="en-CA" sz="5100" kern="1200" dirty="0"/>
+          <a:r>
+            <a:rPr lang="en-CA" sz="1200" kern="1200" dirty="0"/>
+            <a:t>Tableau</a:t>
+          </a:r>
+        </a:p>
+        <a:p>
+          <a:pPr marL="114300" lvl="1" indent="-114300" algn="l" defTabSz="533400">
+            <a:lnSpc>
+              <a:spcPct val="90000"/>
+            </a:lnSpc>
+            <a:spcBef>
+              <a:spcPct val="0"/>
+            </a:spcBef>
+            <a:spcAft>
+              <a:spcPct val="15000"/>
+            </a:spcAft>
+            <a:buChar char="•"/>
+          </a:pPr>
+          <a:r>
+            <a:rPr lang="en-CA" sz="1200" kern="1200" dirty="0"/>
+            <a:t>Update weekly task list</a:t>
+          </a:r>
+        </a:p>
+        <a:p>
+          <a:pPr marL="114300" lvl="1" indent="-114300" algn="l" defTabSz="533400">
+            <a:lnSpc>
+              <a:spcPct val="90000"/>
+            </a:lnSpc>
+            <a:spcBef>
+              <a:spcPct val="0"/>
+            </a:spcBef>
+            <a:spcAft>
+              <a:spcPct val="15000"/>
+            </a:spcAft>
+            <a:buChar char="•"/>
+          </a:pPr>
+          <a:r>
+            <a:rPr lang="en-CA" sz="1200" kern="1200" dirty="0"/>
+            <a:t>Create worksheets and dashboard</a:t>
+          </a:r>
+        </a:p>
+        <a:p>
+          <a:pPr marL="114300" lvl="1" indent="-114300" algn="l" defTabSz="533400">
+            <a:lnSpc>
+              <a:spcPct val="90000"/>
+            </a:lnSpc>
+            <a:spcBef>
+              <a:spcPct val="0"/>
+            </a:spcBef>
+            <a:spcAft>
+              <a:spcPct val="15000"/>
+            </a:spcAft>
+            <a:buChar char="•"/>
+          </a:pPr>
+          <a:r>
+            <a:rPr lang="en-CA" sz="1200" kern="1200" dirty="0"/>
+            <a:t>Prepare story as part of dashboard project</a:t>
+          </a:r>
+        </a:p>
+        <a:p>
+          <a:pPr marL="114300" lvl="1" indent="-114300" algn="l" defTabSz="533400">
+            <a:lnSpc>
+              <a:spcPct val="90000"/>
+            </a:lnSpc>
+            <a:spcBef>
+              <a:spcPct val="0"/>
+            </a:spcBef>
+            <a:spcAft>
+              <a:spcPct val="15000"/>
+            </a:spcAft>
+            <a:buChar char="•"/>
+          </a:pPr>
+          <a:r>
+            <a:rPr lang="en-CA" sz="1200" kern="1200" dirty="0"/>
+            <a:t>Upload PowerPoint as Google Slides</a:t>
+          </a:r>
         </a:p>
       </dsp:txBody>
       <dsp:txXfrm>
@@ -7700,12 +8132,12 @@
         </a:fontRef>
       </dsp:style>
       <dsp:txBody>
-        <a:bodyPr spcFirstLastPara="0" vert="horz" wrap="square" lIns="462280" tIns="320805" rIns="462280" bIns="462280" numCol="1" spcCol="1270" anchor="t" anchorCtr="0">
+        <a:bodyPr spcFirstLastPara="0" vert="horz" wrap="square" lIns="85344" tIns="320805" rIns="85344" bIns="85344" numCol="1" spcCol="1270" anchor="t" anchorCtr="0">
           <a:noAutofit/>
         </a:bodyPr>
         <a:lstStyle/>
         <a:p>
-          <a:pPr marL="285750" lvl="1" indent="-285750" algn="l" defTabSz="2266950">
+          <a:pPr marL="114300" lvl="1" indent="-114300" algn="l" defTabSz="533400">
             <a:lnSpc>
               <a:spcPct val="90000"/>
             </a:lnSpc>
@@ -7717,7 +8149,49 @@
             </a:spcAft>
             <a:buChar char="•"/>
           </a:pPr>
-          <a:endParaRPr lang="en-CA" sz="5100" kern="1200" dirty="0"/>
+          <a:r>
+            <a:rPr lang="en-CA" sz="1200" kern="1200" dirty="0"/>
+            <a:t>Database</a:t>
+          </a:r>
+          <a:endParaRPr lang="en-CA" sz="2300" kern="1200" dirty="0"/>
+        </a:p>
+        <a:p>
+          <a:pPr marL="114300" lvl="1" indent="-114300" algn="l" defTabSz="533400">
+            <a:lnSpc>
+              <a:spcPct val="90000"/>
+            </a:lnSpc>
+            <a:spcBef>
+              <a:spcPct val="0"/>
+            </a:spcBef>
+            <a:spcAft>
+              <a:spcPct val="15000"/>
+            </a:spcAft>
+            <a:buChar char="•"/>
+          </a:pPr>
+          <a:r>
+            <a:rPr lang="en-CA" sz="1200" kern="1200" dirty="0"/>
+            <a:t>Join data in database</a:t>
+          </a:r>
+          <a:endParaRPr lang="en-CA" sz="2300" kern="1200" dirty="0"/>
+        </a:p>
+        <a:p>
+          <a:pPr marL="114300" lvl="1" indent="-114300" algn="l" defTabSz="533400">
+            <a:lnSpc>
+              <a:spcPct val="90000"/>
+            </a:lnSpc>
+            <a:spcBef>
+              <a:spcPct val="0"/>
+            </a:spcBef>
+            <a:spcAft>
+              <a:spcPct val="15000"/>
+            </a:spcAft>
+            <a:buChar char="•"/>
+          </a:pPr>
+          <a:r>
+            <a:rPr lang="en-CA" sz="1200" kern="1200" dirty="0"/>
+            <a:t>Load database data into machine learning module </a:t>
+          </a:r>
+          <a:endParaRPr lang="en-CA" sz="2300" kern="1200" dirty="0"/>
         </a:p>
       </dsp:txBody>
       <dsp:txXfrm>
@@ -7884,12 +8358,12 @@
         </a:fontRef>
       </dsp:style>
       <dsp:txBody>
-        <a:bodyPr spcFirstLastPara="0" vert="horz" wrap="square" lIns="462280" tIns="320805" rIns="462280" bIns="462280" numCol="1" spcCol="1270" anchor="t" anchorCtr="0">
+        <a:bodyPr spcFirstLastPara="0" vert="horz" wrap="square" lIns="85344" tIns="320805" rIns="85344" bIns="85344" numCol="1" spcCol="1270" anchor="t" anchorCtr="0">
           <a:noAutofit/>
         </a:bodyPr>
         <a:lstStyle/>
         <a:p>
-          <a:pPr marL="285750" lvl="1" indent="-285750" algn="l" defTabSz="2266950">
+          <a:pPr marL="114300" lvl="1" indent="-114300" algn="l" defTabSz="533400">
             <a:lnSpc>
               <a:spcPct val="90000"/>
             </a:lnSpc>
@@ -7901,7 +8375,28 @@
             </a:spcAft>
             <a:buChar char="•"/>
           </a:pPr>
-          <a:endParaRPr lang="en-CA" sz="5100" kern="1200" dirty="0"/>
+          <a:r>
+            <a:rPr lang="en-CA" sz="1200" kern="1200" dirty="0"/>
+            <a:t>Machine learning</a:t>
+          </a:r>
+        </a:p>
+        <a:p>
+          <a:pPr marL="114300" lvl="1" indent="-114300" algn="l" defTabSz="533400">
+            <a:lnSpc>
+              <a:spcPct val="90000"/>
+            </a:lnSpc>
+            <a:spcBef>
+              <a:spcPct val="0"/>
+            </a:spcBef>
+            <a:spcAft>
+              <a:spcPct val="15000"/>
+            </a:spcAft>
+            <a:buChar char="•"/>
+          </a:pPr>
+          <a:r>
+            <a:rPr lang="en-CA" sz="1200" kern="1200" dirty="0"/>
+            <a:t>Run data through previously created machine learning template  </a:t>
+          </a:r>
         </a:p>
         <a:p>
           <a:pPr marL="285750" lvl="1" indent="-285750" algn="l" defTabSz="2266950">
@@ -14926,7 +15421,7 @@
           <a:p>
             <a:fld id="{6A4B53A7-3209-46A6-9454-F38EAC8F11E7}" type="datetimeFigureOut">
               <a:rPr lang="en-US" smtClean="0"/>
-              <a:t>3/18/2022</a:t>
+              <a:t>3/29/2022</a:t>
             </a:fld>
             <a:endParaRPr lang="en-US"/>
           </a:p>
@@ -15177,7 +15672,7 @@
           <a:p>
             <a:fld id="{6A4B53A7-3209-46A6-9454-F38EAC8F11E7}" type="datetimeFigureOut">
               <a:rPr lang="en-US" smtClean="0"/>
-              <a:t>3/18/2022</a:t>
+              <a:t>3/29/2022</a:t>
             </a:fld>
             <a:endParaRPr lang="en-US"/>
           </a:p>
@@ -15438,7 +15933,7 @@
           <a:p>
             <a:fld id="{6A4B53A7-3209-46A6-9454-F38EAC8F11E7}" type="datetimeFigureOut">
               <a:rPr lang="en-US" smtClean="0"/>
-              <a:t>3/18/2022</a:t>
+              <a:t>3/29/2022</a:t>
             </a:fld>
             <a:endParaRPr lang="en-US"/>
           </a:p>
@@ -15689,7 +16184,7 @@
           <a:p>
             <a:fld id="{6A4B53A7-3209-46A6-9454-F38EAC8F11E7}" type="datetimeFigureOut">
               <a:rPr lang="en-US" smtClean="0"/>
-              <a:t>3/18/2022</a:t>
+              <a:t>3/29/2022</a:t>
             </a:fld>
             <a:endParaRPr lang="en-US"/>
           </a:p>
@@ -16017,7 +16512,7 @@
           <a:p>
             <a:fld id="{6A4B53A7-3209-46A6-9454-F38EAC8F11E7}" type="datetimeFigureOut">
               <a:rPr lang="en-US" smtClean="0"/>
-              <a:t>3/18/2022</a:t>
+              <a:t>3/29/2022</a:t>
             </a:fld>
             <a:endParaRPr lang="en-US"/>
           </a:p>
@@ -16335,7 +16830,7 @@
           <a:p>
             <a:fld id="{6A4B53A7-3209-46A6-9454-F38EAC8F11E7}" type="datetimeFigureOut">
               <a:rPr lang="en-US" smtClean="0"/>
-              <a:t>3/18/2022</a:t>
+              <a:t>3/29/2022</a:t>
             </a:fld>
             <a:endParaRPr lang="en-US"/>
           </a:p>
@@ -16800,7 +17295,7 @@
           <a:p>
             <a:fld id="{6A4B53A7-3209-46A6-9454-F38EAC8F11E7}" type="datetimeFigureOut">
               <a:rPr lang="en-US" smtClean="0"/>
-              <a:t>3/18/2022</a:t>
+              <a:t>3/29/2022</a:t>
             </a:fld>
             <a:endParaRPr lang="en-US"/>
           </a:p>
@@ -16994,7 +17489,7 @@
           <a:p>
             <a:fld id="{6A4B53A7-3209-46A6-9454-F38EAC8F11E7}" type="datetimeFigureOut">
               <a:rPr lang="en-US" smtClean="0"/>
-              <a:t>3/18/2022</a:t>
+              <a:t>3/29/2022</a:t>
             </a:fld>
             <a:endParaRPr lang="en-US"/>
           </a:p>
@@ -17160,7 +17655,7 @@
           <a:p>
             <a:fld id="{6A4B53A7-3209-46A6-9454-F38EAC8F11E7}" type="datetimeFigureOut">
               <a:rPr lang="en-US" smtClean="0"/>
-              <a:t>3/18/2022</a:t>
+              <a:t>3/29/2022</a:t>
             </a:fld>
             <a:endParaRPr lang="en-US"/>
           </a:p>
@@ -17524,7 +18019,7 @@
           <a:p>
             <a:fld id="{6A4B53A7-3209-46A6-9454-F38EAC8F11E7}" type="datetimeFigureOut">
               <a:rPr lang="en-US" smtClean="0"/>
-              <a:t>3/18/2022</a:t>
+              <a:t>3/29/2022</a:t>
             </a:fld>
             <a:endParaRPr lang="en-US"/>
           </a:p>
@@ -17868,7 +18363,7 @@
           <a:p>
             <a:fld id="{6A4B53A7-3209-46A6-9454-F38EAC8F11E7}" type="datetimeFigureOut">
               <a:rPr lang="en-US" smtClean="0"/>
-              <a:t>3/18/2022</a:t>
+              <a:t>3/29/2022</a:t>
             </a:fld>
             <a:endParaRPr lang="en-US"/>
           </a:p>
@@ -18163,7 +18658,7 @@
             <a:fld id="{6A4B53A7-3209-46A6-9454-F38EAC8F11E7}" type="datetimeFigureOut">
               <a:rPr lang="en-US" smtClean="0"/>
               <a:pPr/>
-              <a:t>3/18/2022</a:t>
+              <a:t>3/29/2022</a:t>
             </a:fld>
             <a:endParaRPr lang="en-US" dirty="0"/>
           </a:p>
@@ -20824,7 +21319,7 @@
           <p:nvPr>
             <p:extLst>
               <p:ext uri="{D42A27DB-BD31-4B8C-83A1-F6EECF244321}">
-                <p14:modId xmlns:p14="http://schemas.microsoft.com/office/powerpoint/2010/main" val="670145626"/>
+                <p14:modId xmlns:p14="http://schemas.microsoft.com/office/powerpoint/2010/main" val="2222725900"/>
               </p:ext>
             </p:extLst>
           </p:nvPr>
@@ -20853,6 +21348,157 @@
 </file>
 
 <file path=ppt/slides/slide7.xml><?xml version="1.0" encoding="utf-8"?>
+<p:sld xmlns:a="http://schemas.openxmlformats.org/drawingml/2006/main" xmlns:r="http://schemas.openxmlformats.org/officeDocument/2006/relationships" xmlns:p="http://schemas.openxmlformats.org/presentationml/2006/main">
+  <p:cSld>
+    <p:spTree>
+      <p:nvGrpSpPr>
+        <p:cNvPr id="1" name=""/>
+        <p:cNvGrpSpPr/>
+        <p:nvPr/>
+      </p:nvGrpSpPr>
+      <p:grpSpPr>
+        <a:xfrm>
+          <a:off x="0" y="0"/>
+          <a:ext cx="0" cy="0"/>
+          <a:chOff x="0" y="0"/>
+          <a:chExt cx="0" cy="0"/>
+        </a:xfrm>
+      </p:grpSpPr>
+      <p:sp>
+        <p:nvSpPr>
+          <p:cNvPr id="2" name="Title 1">
+            <a:extLst>
+              <a:ext uri="{FF2B5EF4-FFF2-40B4-BE49-F238E27FC236}">
+                <a16:creationId xmlns:a16="http://schemas.microsoft.com/office/drawing/2014/main" id="{94AEF6A7-9A4F-45AF-8C6F-9D9B9C51B3E7}"/>
+              </a:ext>
+            </a:extLst>
+          </p:cNvPr>
+          <p:cNvSpPr>
+            <a:spLocks noGrp="1"/>
+          </p:cNvSpPr>
+          <p:nvPr>
+            <p:ph type="title"/>
+          </p:nvPr>
+        </p:nvSpPr>
+        <p:spPr/>
+        <p:txBody>
+          <a:bodyPr/>
+          <a:lstStyle/>
+          <a:p>
+            <a:pPr algn="ctr"/>
+            <a:r>
+              <a:rPr lang="en-CA" dirty="0"/>
+              <a:t>Week 2 – Priority of Work</a:t>
+            </a:r>
+          </a:p>
+        </p:txBody>
+      </p:sp>
+      <p:sp>
+        <p:nvSpPr>
+          <p:cNvPr id="4" name="TextBox 3">
+            <a:extLst>
+              <a:ext uri="{FF2B5EF4-FFF2-40B4-BE49-F238E27FC236}">
+                <a16:creationId xmlns:a16="http://schemas.microsoft.com/office/drawing/2014/main" id="{D655FAF0-991E-4922-A68A-8890F4069CEF}"/>
+              </a:ext>
+            </a:extLst>
+          </p:cNvPr>
+          <p:cNvSpPr txBox="1"/>
+          <p:nvPr/>
+        </p:nvSpPr>
+        <p:spPr>
+          <a:xfrm>
+            <a:off x="838199" y="1612233"/>
+            <a:ext cx="8771021" cy="4031873"/>
+          </a:xfrm>
+          <a:prstGeom prst="rect">
+            <a:avLst/>
+          </a:prstGeom>
+          <a:noFill/>
+        </p:spPr>
+        <p:txBody>
+          <a:bodyPr wrap="square">
+            <a:spAutoFit/>
+          </a:bodyPr>
+          <a:lstStyle/>
+          <a:p>
+            <a:r>
+              <a:rPr lang="en-CA" sz="3200" dirty="0"/>
+              <a:t>Priority of Work:</a:t>
+            </a:r>
+          </a:p>
+          <a:p>
+            <a:endParaRPr lang="en-CA" sz="3200" dirty="0"/>
+          </a:p>
+          <a:p>
+            <a:pPr marL="342900" indent="-342900">
+              <a:buAutoNum type="arabicPeriod"/>
+            </a:pPr>
+            <a:r>
+              <a:rPr lang="en-CA" sz="3200" dirty="0"/>
+              <a:t>Run data through machine learning model</a:t>
+            </a:r>
+          </a:p>
+          <a:p>
+            <a:pPr marL="342900" indent="-342900">
+              <a:buAutoNum type="arabicPeriod"/>
+            </a:pPr>
+            <a:r>
+              <a:rPr lang="en-CA" sz="3200" dirty="0"/>
+              <a:t>Join data in database</a:t>
+            </a:r>
+          </a:p>
+          <a:p>
+            <a:pPr marL="342900" indent="-342900">
+              <a:buAutoNum type="arabicPeriod"/>
+            </a:pPr>
+            <a:r>
+              <a:rPr lang="en-CA" sz="3200" dirty="0"/>
+              <a:t>Create Dashboard</a:t>
+            </a:r>
+          </a:p>
+          <a:p>
+            <a:pPr marL="342900" indent="-342900">
+              <a:buAutoNum type="arabicPeriod"/>
+            </a:pPr>
+            <a:r>
+              <a:rPr lang="en-CA" sz="3200" dirty="0"/>
+              <a:t>Generate Random Forest machine learning model</a:t>
+            </a:r>
+          </a:p>
+          <a:p>
+            <a:pPr marL="342900" indent="-342900">
+              <a:buAutoNum type="arabicPeriod"/>
+            </a:pPr>
+            <a:r>
+              <a:rPr lang="en-CA" sz="3200" dirty="0"/>
+              <a:t>Create presentation</a:t>
+            </a:r>
+          </a:p>
+          <a:p>
+            <a:pPr marL="342900" indent="-342900">
+              <a:buAutoNum type="arabicPeriod"/>
+            </a:pPr>
+            <a:r>
+              <a:rPr lang="en-CA" sz="3200" dirty="0"/>
+              <a:t>Minimum 4 commits, per person</a:t>
+            </a:r>
+          </a:p>
+        </p:txBody>
+      </p:sp>
+    </p:spTree>
+    <p:extLst>
+      <p:ext uri="{BB962C8B-B14F-4D97-AF65-F5344CB8AC3E}">
+        <p14:creationId xmlns:p14="http://schemas.microsoft.com/office/powerpoint/2010/main" val="3111768498"/>
+      </p:ext>
+    </p:extLst>
+  </p:cSld>
+  <p:clrMapOvr>
+    <a:masterClrMapping/>
+  </p:clrMapOvr>
+</p:sld>
+</file>
+
+<file path=ppt/slides/slide8.xml><?xml version="1.0" encoding="utf-8"?>
 <p:sld xmlns:a="http://schemas.openxmlformats.org/drawingml/2006/main" xmlns:r="http://schemas.openxmlformats.org/officeDocument/2006/relationships" xmlns:p="http://schemas.openxmlformats.org/presentationml/2006/main">
   <p:cSld>
     <p:spTree>
@@ -20933,7 +21579,7 @@
 </p:sld>
 </file>
 
-<file path=ppt/slides/slide8.xml><?xml version="1.0" encoding="utf-8"?>
+<file path=ppt/slides/slide9.xml><?xml version="1.0" encoding="utf-8"?>
 <p:sld xmlns:a="http://schemas.openxmlformats.org/drawingml/2006/main" xmlns:r="http://schemas.openxmlformats.org/officeDocument/2006/relationships" xmlns:p="http://schemas.openxmlformats.org/presentationml/2006/main">
   <p:cSld>
     <p:spTree>
